--- a/Formulation.pptx
+++ b/Formulation.pptx
@@ -1,12 +1,17 @@
 
 <file path=ppt/presentation.xml><?xml version="1.0" encoding="utf-8"?>
-<p:presentation xmlns:a="http://schemas.openxmlformats.org/drawingml/2006/main" xmlns:r="http://schemas.openxmlformats.org/officeDocument/2006/relationships" xmlns:p="http://schemas.openxmlformats.org/presentationml/2006/main" saveSubsetFonts="1">
+<p:presentation xmlns:a="http://schemas.openxmlformats.org/drawingml/2006/main" xmlns:r="http://schemas.openxmlformats.org/officeDocument/2006/relationships" xmlns:p="http://schemas.openxmlformats.org/presentationml/2006/main" saveSubsetFonts="1" autoCompressPictures="0">
   <p:sldMasterIdLst>
     <p:sldMasterId id="2147483648" r:id="rId1"/>
   </p:sldMasterIdLst>
   <p:sldIdLst>
     <p:sldId id="256" r:id="rId2"/>
     <p:sldId id="257" r:id="rId3"/>
+    <p:sldId id="258" r:id="rId4"/>
+    <p:sldId id="259" r:id="rId5"/>
+    <p:sldId id="261" r:id="rId6"/>
+    <p:sldId id="262" r:id="rId7"/>
+    <p:sldId id="260" r:id="rId8"/>
   </p:sldIdLst>
   <p:sldSz cx="12192000" cy="6858000"/>
   <p:notesSz cx="6858000" cy="9144000"/>
@@ -105,6 +110,11 @@
       </a:defRPr>
     </a:lvl9pPr>
   </p:defaultTextStyle>
+  <p:extLst>
+    <p:ext uri="{EFAFB233-063F-42B5-8137-9DF3F51BA10A}">
+      <p15:sldGuideLst xmlns:p15="http://schemas.microsoft.com/office/powerpoint/2012/main"/>
+    </p:ext>
+  </p:extLst>
 </p:presentation>
 </file>
 
@@ -255,7 +265,7 @@
           <a:p>
             <a:fld id="{44C6B36C-25E1-451B-A166-8C27091025D0}" type="datetimeFigureOut">
               <a:rPr lang="en-US" smtClean="0"/>
-              <a:t>5/15/2019</a:t>
+              <a:t>5/23/2019</a:t>
             </a:fld>
             <a:endParaRPr lang="en-US"/>
           </a:p>
@@ -453,7 +463,7 @@
           <a:p>
             <a:fld id="{44C6B36C-25E1-451B-A166-8C27091025D0}" type="datetimeFigureOut">
               <a:rPr lang="en-US" smtClean="0"/>
-              <a:t>5/15/2019</a:t>
+              <a:t>5/23/2019</a:t>
             </a:fld>
             <a:endParaRPr lang="en-US"/>
           </a:p>
@@ -661,7 +671,7 @@
           <a:p>
             <a:fld id="{44C6B36C-25E1-451B-A166-8C27091025D0}" type="datetimeFigureOut">
               <a:rPr lang="en-US" smtClean="0"/>
-              <a:t>5/15/2019</a:t>
+              <a:t>5/23/2019</a:t>
             </a:fld>
             <a:endParaRPr lang="en-US"/>
           </a:p>
@@ -859,7 +869,7 @@
           <a:p>
             <a:fld id="{44C6B36C-25E1-451B-A166-8C27091025D0}" type="datetimeFigureOut">
               <a:rPr lang="en-US" smtClean="0"/>
-              <a:t>5/15/2019</a:t>
+              <a:t>5/23/2019</a:t>
             </a:fld>
             <a:endParaRPr lang="en-US"/>
           </a:p>
@@ -1134,7 +1144,7 @@
           <a:p>
             <a:fld id="{44C6B36C-25E1-451B-A166-8C27091025D0}" type="datetimeFigureOut">
               <a:rPr lang="en-US" smtClean="0"/>
-              <a:t>5/15/2019</a:t>
+              <a:t>5/23/2019</a:t>
             </a:fld>
             <a:endParaRPr lang="en-US"/>
           </a:p>
@@ -1399,7 +1409,7 @@
           <a:p>
             <a:fld id="{44C6B36C-25E1-451B-A166-8C27091025D0}" type="datetimeFigureOut">
               <a:rPr lang="en-US" smtClean="0"/>
-              <a:t>5/15/2019</a:t>
+              <a:t>5/23/2019</a:t>
             </a:fld>
             <a:endParaRPr lang="en-US"/>
           </a:p>
@@ -1811,7 +1821,7 @@
           <a:p>
             <a:fld id="{44C6B36C-25E1-451B-A166-8C27091025D0}" type="datetimeFigureOut">
               <a:rPr lang="en-US" smtClean="0"/>
-              <a:t>5/15/2019</a:t>
+              <a:t>5/23/2019</a:t>
             </a:fld>
             <a:endParaRPr lang="en-US"/>
           </a:p>
@@ -1952,7 +1962,7 @@
           <a:p>
             <a:fld id="{44C6B36C-25E1-451B-A166-8C27091025D0}" type="datetimeFigureOut">
               <a:rPr lang="en-US" smtClean="0"/>
-              <a:t>5/15/2019</a:t>
+              <a:t>5/23/2019</a:t>
             </a:fld>
             <a:endParaRPr lang="en-US"/>
           </a:p>
@@ -2065,7 +2075,7 @@
           <a:p>
             <a:fld id="{44C6B36C-25E1-451B-A166-8C27091025D0}" type="datetimeFigureOut">
               <a:rPr lang="en-US" smtClean="0"/>
-              <a:t>5/15/2019</a:t>
+              <a:t>5/23/2019</a:t>
             </a:fld>
             <a:endParaRPr lang="en-US"/>
           </a:p>
@@ -2376,7 +2386,7 @@
           <a:p>
             <a:fld id="{44C6B36C-25E1-451B-A166-8C27091025D0}" type="datetimeFigureOut">
               <a:rPr lang="en-US" smtClean="0"/>
-              <a:t>5/15/2019</a:t>
+              <a:t>5/23/2019</a:t>
             </a:fld>
             <a:endParaRPr lang="en-US"/>
           </a:p>
@@ -2664,7 +2674,7 @@
           <a:p>
             <a:fld id="{44C6B36C-25E1-451B-A166-8C27091025D0}" type="datetimeFigureOut">
               <a:rPr lang="en-US" smtClean="0"/>
-              <a:t>5/15/2019</a:t>
+              <a:t>5/23/2019</a:t>
             </a:fld>
             <a:endParaRPr lang="en-US"/>
           </a:p>
@@ -2905,7 +2915,7 @@
           <a:p>
             <a:fld id="{44C6B36C-25E1-451B-A166-8C27091025D0}" type="datetimeFigureOut">
               <a:rPr lang="en-US" smtClean="0"/>
-              <a:t>5/15/2019</a:t>
+              <a:t>5/23/2019</a:t>
             </a:fld>
             <a:endParaRPr lang="en-US"/>
           </a:p>
@@ -3909,8 +3919,8 @@
           </a:p>
         </p:txBody>
       </p:sp>
-      <mc:AlternateContent xmlns:mc="http://schemas.openxmlformats.org/markup-compatibility/2006">
-        <mc:Choice xmlns:a14="http://schemas.microsoft.com/office/drawing/2010/main" Requires="a14">
+      <mc:AlternateContent xmlns:mc="http://schemas.openxmlformats.org/markup-compatibility/2006" xmlns:a14="http://schemas.microsoft.com/office/drawing/2010/main">
+        <mc:Choice Requires="a14">
           <p:sp>
             <p:nvSpPr>
               <p:cNvPr id="29" name="Rectangle 28">
@@ -4176,7 +4186,7 @@
             </p:txBody>
           </p:sp>
         </mc:Choice>
-        <mc:Fallback>
+        <mc:Fallback xmlns="">
           <p:sp>
             <p:nvSpPr>
               <p:cNvPr id="29" name="Rectangle 28">
@@ -4307,8 +4317,8 @@
           </a:fontRef>
         </p:style>
       </p:cxnSp>
-      <mc:AlternateContent xmlns:mc="http://schemas.openxmlformats.org/markup-compatibility/2006">
-        <mc:Choice xmlns:a14="http://schemas.microsoft.com/office/drawing/2010/main" Requires="a14">
+      <mc:AlternateContent xmlns:mc="http://schemas.openxmlformats.org/markup-compatibility/2006" xmlns:a14="http://schemas.microsoft.com/office/drawing/2010/main">
+        <mc:Choice Requires="a14">
           <p:sp>
             <p:nvSpPr>
               <p:cNvPr id="43" name="Rectangle 42">
@@ -4525,7 +4535,7 @@
             </p:txBody>
           </p:sp>
         </mc:Choice>
-        <mc:Fallback>
+        <mc:Fallback xmlns="">
           <p:sp>
             <p:nvSpPr>
               <p:cNvPr id="43" name="Rectangle 42">
@@ -4669,8 +4679,8 @@
           </a:fontRef>
         </p:style>
       </p:cxnSp>
-      <mc:AlternateContent xmlns:mc="http://schemas.openxmlformats.org/markup-compatibility/2006">
-        <mc:Choice xmlns:a14="http://schemas.microsoft.com/office/drawing/2010/main" Requires="a14">
+      <mc:AlternateContent xmlns:mc="http://schemas.openxmlformats.org/markup-compatibility/2006" xmlns:a14="http://schemas.microsoft.com/office/drawing/2010/main">
+        <mc:Choice Requires="a14">
           <p:sp>
             <p:nvSpPr>
               <p:cNvPr id="61" name="Rectangle 60">
@@ -5011,7 +5021,7 @@
             </p:txBody>
           </p:sp>
         </mc:Choice>
-        <mc:Fallback>
+        <mc:Fallback xmlns="">
           <p:sp>
             <p:nvSpPr>
               <p:cNvPr id="61" name="Rectangle 60">
@@ -5250,8 +5260,8 @@
             </a:p>
           </p:txBody>
         </p:sp>
-        <mc:AlternateContent xmlns:mc="http://schemas.openxmlformats.org/markup-compatibility/2006">
-          <mc:Choice xmlns:a14="http://schemas.microsoft.com/office/drawing/2010/main" Requires="a14">
+        <mc:AlternateContent xmlns:mc="http://schemas.openxmlformats.org/markup-compatibility/2006" xmlns:a14="http://schemas.microsoft.com/office/drawing/2010/main">
+          <mc:Choice Requires="a14">
             <p:sp>
               <p:nvSpPr>
                 <p:cNvPr id="81" name="Rectangle 80">
@@ -5279,6 +5289,7 @@
                 </a:bodyPr>
                 <a:lstStyle/>
                 <a:p>
+                  <a:pPr/>
                   <a14:m>
                     <m:oMathPara xmlns:m="http://schemas.openxmlformats.org/officeDocument/2006/math">
                       <m:oMathParaPr>
@@ -5324,7 +5335,7 @@
               </p:txBody>
             </p:sp>
           </mc:Choice>
-          <mc:Fallback>
+          <mc:Fallback xmlns="">
             <p:sp>
               <p:nvSpPr>
                 <p:cNvPr id="81" name="Rectangle 80">
@@ -5524,8 +5535,8 @@
             </a:p>
           </p:txBody>
         </p:sp>
-        <mc:AlternateContent xmlns:mc="http://schemas.openxmlformats.org/markup-compatibility/2006">
-          <mc:Choice xmlns:a14="http://schemas.microsoft.com/office/drawing/2010/main" Requires="a14">
+        <mc:AlternateContent xmlns:mc="http://schemas.openxmlformats.org/markup-compatibility/2006" xmlns:a14="http://schemas.microsoft.com/office/drawing/2010/main">
+          <mc:Choice Requires="a14">
             <p:sp>
               <p:nvSpPr>
                 <p:cNvPr id="87" name="Rectangle 86">
@@ -5553,6 +5564,7 @@
                 </a:bodyPr>
                 <a:lstStyle/>
                 <a:p>
+                  <a:pPr/>
                   <a14:m>
                     <m:oMathPara xmlns:m="http://schemas.openxmlformats.org/officeDocument/2006/math">
                       <m:oMathParaPr>
@@ -5598,7 +5610,7 @@
               </p:txBody>
             </p:sp>
           </mc:Choice>
-          <mc:Fallback>
+          <mc:Fallback xmlns="">
             <p:sp>
               <p:nvSpPr>
                 <p:cNvPr id="87" name="Rectangle 86">
@@ -5674,8 +5686,8 @@
           <a:chExt cx="0" cy="0"/>
         </a:xfrm>
       </p:grpSpPr>
-      <mc:AlternateContent xmlns:mc="http://schemas.openxmlformats.org/markup-compatibility/2006">
-        <mc:Choice xmlns:a14="http://schemas.microsoft.com/office/drawing/2010/main" Requires="a14">
+      <mc:AlternateContent xmlns:mc="http://schemas.openxmlformats.org/markup-compatibility/2006" xmlns:a14="http://schemas.microsoft.com/office/drawing/2010/main">
+        <mc:Choice Requires="a14">
           <p:sp>
             <p:nvSpPr>
               <p:cNvPr id="30" name="Rectangle 29">
@@ -5923,7 +5935,7 @@
             </p:txBody>
           </p:sp>
         </mc:Choice>
-        <mc:Fallback>
+        <mc:Fallback xmlns="">
           <p:sp>
             <p:nvSpPr>
               <p:cNvPr id="30" name="Rectangle 29">
@@ -5991,8 +6003,8 @@
             <a:chExt cx="4761603" cy="871264"/>
           </a:xfrm>
         </p:grpSpPr>
-        <mc:AlternateContent xmlns:mc="http://schemas.openxmlformats.org/markup-compatibility/2006">
-          <mc:Choice xmlns:a14="http://schemas.microsoft.com/office/drawing/2010/main" Requires="a14">
+        <mc:AlternateContent xmlns:mc="http://schemas.openxmlformats.org/markup-compatibility/2006" xmlns:a14="http://schemas.microsoft.com/office/drawing/2010/main">
+          <mc:Choice Requires="a14">
             <p:sp>
               <p:nvSpPr>
                 <p:cNvPr id="27" name="Rectangle 26">
@@ -6333,7 +6345,7 @@
               </p:txBody>
             </p:sp>
           </mc:Choice>
-          <mc:Fallback>
+          <mc:Fallback xmlns="">
             <p:sp>
               <p:nvSpPr>
                 <p:cNvPr id="27" name="Rectangle 26">
@@ -6484,8 +6496,8 @@
             <a:chExt cx="4994967" cy="777264"/>
           </a:xfrm>
         </p:grpSpPr>
-        <mc:AlternateContent xmlns:mc="http://schemas.openxmlformats.org/markup-compatibility/2006">
-          <mc:Choice xmlns:a14="http://schemas.microsoft.com/office/drawing/2010/main" Requires="a14">
+        <mc:AlternateContent xmlns:mc="http://schemas.openxmlformats.org/markup-compatibility/2006" xmlns:a14="http://schemas.microsoft.com/office/drawing/2010/main">
+          <mc:Choice Requires="a14">
             <p:sp>
               <p:nvSpPr>
                 <p:cNvPr id="28" name="Rectangle 27">
@@ -6789,7 +6801,7 @@
               </p:txBody>
             </p:sp>
           </mc:Choice>
-          <mc:Fallback>
+          <mc:Fallback xmlns="">
             <p:sp>
               <p:nvSpPr>
                 <p:cNvPr id="28" name="Rectangle 27">
@@ -6940,8 +6952,8 @@
             <a:chExt cx="5228329" cy="673005"/>
           </a:xfrm>
         </p:grpSpPr>
-        <mc:AlternateContent xmlns:mc="http://schemas.openxmlformats.org/markup-compatibility/2006">
-          <mc:Choice xmlns:a14="http://schemas.microsoft.com/office/drawing/2010/main" Requires="a14">
+        <mc:AlternateContent xmlns:mc="http://schemas.openxmlformats.org/markup-compatibility/2006" xmlns:a14="http://schemas.microsoft.com/office/drawing/2010/main">
+          <mc:Choice Requires="a14">
             <p:sp>
               <p:nvSpPr>
                 <p:cNvPr id="29" name="Rectangle 28">
@@ -7267,7 +7279,7 @@
               </p:txBody>
             </p:sp>
           </mc:Choice>
-          <mc:Fallback>
+          <mc:Fallback xmlns="">
             <p:sp>
               <p:nvSpPr>
                 <p:cNvPr id="29" name="Rectangle 28">
@@ -7399,8 +7411,8 @@
           </p:txBody>
         </p:sp>
       </p:grpSp>
-      <mc:AlternateContent xmlns:mc="http://schemas.openxmlformats.org/markup-compatibility/2006">
-        <mc:Choice xmlns:a14="http://schemas.microsoft.com/office/drawing/2010/main" Requires="a14">
+      <mc:AlternateContent xmlns:mc="http://schemas.openxmlformats.org/markup-compatibility/2006" xmlns:a14="http://schemas.microsoft.com/office/drawing/2010/main">
+        <mc:Choice Requires="a14">
           <p:graphicFrame>
             <p:nvGraphicFramePr>
               <p:cNvPr id="44" name="Table 43">
@@ -7453,6 +7465,7 @@
                         <a:bodyPr/>
                         <a:lstStyle/>
                         <a:p>
+                          <a:pPr/>
                           <a14:m>
                             <m:oMathPara xmlns:m="http://schemas.openxmlformats.org/officeDocument/2006/math">
                               <m:oMathParaPr>
@@ -7590,6 +7603,7 @@
                         <a:bodyPr/>
                         <a:lstStyle/>
                         <a:p>
+                          <a:pPr/>
                           <a14:m>
                             <m:oMathPara xmlns:m="http://schemas.openxmlformats.org/officeDocument/2006/math">
                               <m:oMathParaPr>
@@ -7738,6 +7752,7 @@
                         <a:bodyPr/>
                         <a:lstStyle/>
                         <a:p>
+                          <a:pPr/>
                           <a14:m>
                             <m:oMathPara xmlns:m="http://schemas.openxmlformats.org/officeDocument/2006/math">
                               <m:oMathParaPr>
@@ -7865,6 +7880,7 @@
                         <a:bodyPr/>
                         <a:lstStyle/>
                         <a:p>
+                          <a:pPr/>
                           <a14:m>
                             <m:oMathPara xmlns:m="http://schemas.openxmlformats.org/officeDocument/2006/math">
                               <m:oMathParaPr>
@@ -8522,6 +8538,7 @@
                         <a:bodyPr/>
                         <a:lstStyle/>
                         <a:p>
+                          <a:pPr/>
                           <a14:m>
                             <m:oMathPara xmlns:m="http://schemas.openxmlformats.org/officeDocument/2006/math">
                               <m:oMathParaPr>
@@ -8708,7 +8725,7 @@
             </a:graphic>
           </p:graphicFrame>
         </mc:Choice>
-        <mc:Fallback>
+        <mc:Fallback xmlns="">
           <p:graphicFrame>
             <p:nvGraphicFramePr>
               <p:cNvPr id="44" name="Table 43">
@@ -9811,6 +9828,4031 @@
     <p:extLst>
       <p:ext uri="{BB962C8B-B14F-4D97-AF65-F5344CB8AC3E}">
         <p14:creationId xmlns:p14="http://schemas.microsoft.com/office/powerpoint/2010/main" val="2716550671"/>
+      </p:ext>
+    </p:extLst>
+  </p:cSld>
+  <p:clrMapOvr>
+    <a:masterClrMapping/>
+  </p:clrMapOvr>
+</p:sld>
+</file>
+
+<file path=ppt/slides/slide3.xml><?xml version="1.0" encoding="utf-8"?>
+<p:sld xmlns:a="http://schemas.openxmlformats.org/drawingml/2006/main" xmlns:r="http://schemas.openxmlformats.org/officeDocument/2006/relationships" xmlns:p="http://schemas.openxmlformats.org/presentationml/2006/main">
+  <p:cSld>
+    <p:spTree>
+      <p:nvGrpSpPr>
+        <p:cNvPr id="1" name=""/>
+        <p:cNvGrpSpPr/>
+        <p:nvPr/>
+      </p:nvGrpSpPr>
+      <p:grpSpPr>
+        <a:xfrm>
+          <a:off x="0" y="0"/>
+          <a:ext cx="0" cy="0"/>
+          <a:chOff x="0" y="0"/>
+          <a:chExt cx="0" cy="0"/>
+        </a:xfrm>
+      </p:grpSpPr>
+      <p:sp>
+        <p:nvSpPr>
+          <p:cNvPr id="8" name="Rectangle 7">
+            <a:extLst>
+              <a:ext uri="{FF2B5EF4-FFF2-40B4-BE49-F238E27FC236}">
+                <a16:creationId xmlns:a16="http://schemas.microsoft.com/office/drawing/2014/main" id="{C0F855BD-0D42-47A1-AEFB-5FC473ADF8B4}"/>
+              </a:ext>
+            </a:extLst>
+          </p:cNvPr>
+          <p:cNvSpPr/>
+          <p:nvPr/>
+        </p:nvSpPr>
+        <p:spPr>
+          <a:xfrm>
+            <a:off x="8666416" y="435427"/>
+            <a:ext cx="1558835" cy="592183"/>
+          </a:xfrm>
+          <a:prstGeom prst="rect">
+            <a:avLst/>
+          </a:prstGeom>
+        </p:spPr>
+        <p:style>
+          <a:lnRef idx="1">
+            <a:schemeClr val="accent5"/>
+          </a:lnRef>
+          <a:fillRef idx="2">
+            <a:schemeClr val="accent5"/>
+          </a:fillRef>
+          <a:effectRef idx="1">
+            <a:schemeClr val="accent5"/>
+          </a:effectRef>
+          <a:fontRef idx="minor">
+            <a:schemeClr val="dk1"/>
+          </a:fontRef>
+        </p:style>
+        <p:txBody>
+          <a:bodyPr rtlCol="0" anchor="ctr"/>
+          <a:lstStyle/>
+          <a:p>
+            <a:pPr algn="ctr"/>
+            <a:r>
+              <a:rPr lang="en-US" sz="1200" dirty="0"/>
+              <a:t>Title and a summary of the related theory</a:t>
+            </a:r>
+          </a:p>
+        </p:txBody>
+      </p:sp>
+      <p:sp>
+        <p:nvSpPr>
+          <p:cNvPr id="9" name="Rectangle 8">
+            <a:extLst>
+              <a:ext uri="{FF2B5EF4-FFF2-40B4-BE49-F238E27FC236}">
+                <a16:creationId xmlns:a16="http://schemas.microsoft.com/office/drawing/2014/main" id="{187DCB62-A1B2-4F17-8B97-92432F018201}"/>
+              </a:ext>
+            </a:extLst>
+          </p:cNvPr>
+          <p:cNvSpPr/>
+          <p:nvPr/>
+        </p:nvSpPr>
+        <p:spPr>
+          <a:xfrm>
+            <a:off x="7981406" y="1045029"/>
+            <a:ext cx="1558835" cy="592183"/>
+          </a:xfrm>
+          <a:prstGeom prst="rect">
+            <a:avLst/>
+          </a:prstGeom>
+        </p:spPr>
+        <p:style>
+          <a:lnRef idx="1">
+            <a:schemeClr val="accent5"/>
+          </a:lnRef>
+          <a:fillRef idx="2">
+            <a:schemeClr val="accent5"/>
+          </a:fillRef>
+          <a:effectRef idx="1">
+            <a:schemeClr val="accent5"/>
+          </a:effectRef>
+          <a:fontRef idx="minor">
+            <a:schemeClr val="dk1"/>
+          </a:fontRef>
+        </p:style>
+        <p:txBody>
+          <a:bodyPr rtlCol="0" anchor="ctr"/>
+          <a:lstStyle/>
+          <a:p>
+            <a:pPr algn="ctr"/>
+            <a:r>
+              <a:rPr lang="en-US" sz="1200" dirty="0"/>
+              <a:t>Console Display</a:t>
+            </a:r>
+          </a:p>
+          <a:p>
+            <a:pPr algn="ctr"/>
+            <a:r>
+              <a:rPr lang="en-US" sz="1200" dirty="0"/>
+              <a:t>(See for useful messages related)</a:t>
+            </a:r>
+          </a:p>
+        </p:txBody>
+      </p:sp>
+      <p:grpSp>
+        <p:nvGrpSpPr>
+          <p:cNvPr id="22" name="Group 21">
+            <a:extLst>
+              <a:ext uri="{FF2B5EF4-FFF2-40B4-BE49-F238E27FC236}">
+                <a16:creationId xmlns:a16="http://schemas.microsoft.com/office/drawing/2014/main" id="{50B46F8E-C604-4AC1-856D-5D567D5F1074}"/>
+              </a:ext>
+            </a:extLst>
+          </p:cNvPr>
+          <p:cNvGrpSpPr/>
+          <p:nvPr/>
+        </p:nvGrpSpPr>
+        <p:grpSpPr>
+          <a:xfrm>
+            <a:off x="1602377" y="114877"/>
+            <a:ext cx="4509941" cy="6438323"/>
+            <a:chOff x="1602377" y="114877"/>
+            <a:chExt cx="4509941" cy="6438323"/>
+          </a:xfrm>
+        </p:grpSpPr>
+        <p:pic>
+          <p:nvPicPr>
+            <p:cNvPr id="5" name="Picture 4">
+              <a:extLst>
+                <a:ext uri="{FF2B5EF4-FFF2-40B4-BE49-F238E27FC236}">
+                  <a16:creationId xmlns:a16="http://schemas.microsoft.com/office/drawing/2014/main" id="{09585289-74CE-4821-9F6F-E6D757330FB5}"/>
+                </a:ext>
+              </a:extLst>
+            </p:cNvPr>
+            <p:cNvPicPr>
+              <a:picLocks noChangeAspect="1"/>
+            </p:cNvPicPr>
+            <p:nvPr/>
+          </p:nvPicPr>
+          <p:blipFill>
+            <a:blip r:embed="rId2"/>
+            <a:stretch>
+              <a:fillRect/>
+            </a:stretch>
+          </p:blipFill>
+          <p:spPr>
+            <a:xfrm>
+              <a:off x="1602377" y="114877"/>
+              <a:ext cx="3563193" cy="6438323"/>
+            </a:xfrm>
+            <a:prstGeom prst="rect">
+              <a:avLst/>
+            </a:prstGeom>
+          </p:spPr>
+        </p:pic>
+        <p:sp>
+          <p:nvSpPr>
+            <p:cNvPr id="6" name="Rectangle 5">
+              <a:extLst>
+                <a:ext uri="{FF2B5EF4-FFF2-40B4-BE49-F238E27FC236}">
+                  <a16:creationId xmlns:a16="http://schemas.microsoft.com/office/drawing/2014/main" id="{04207DD1-990B-4089-9864-361283058AC6}"/>
+                </a:ext>
+              </a:extLst>
+            </p:cNvPr>
+            <p:cNvSpPr/>
+            <p:nvPr/>
+          </p:nvSpPr>
+          <p:spPr>
+            <a:xfrm>
+              <a:off x="5326776" y="448490"/>
+              <a:ext cx="769224" cy="592183"/>
+            </a:xfrm>
+            <a:prstGeom prst="rect">
+              <a:avLst/>
+            </a:prstGeom>
+          </p:spPr>
+          <p:style>
+            <a:lnRef idx="1">
+              <a:schemeClr val="accent5"/>
+            </a:lnRef>
+            <a:fillRef idx="2">
+              <a:schemeClr val="accent5"/>
+            </a:fillRef>
+            <a:effectRef idx="1">
+              <a:schemeClr val="accent5"/>
+            </a:effectRef>
+            <a:fontRef idx="minor">
+              <a:schemeClr val="dk1"/>
+            </a:fontRef>
+          </p:style>
+          <p:txBody>
+            <a:bodyPr rtlCol="0" anchor="ctr"/>
+            <a:lstStyle/>
+            <a:p>
+              <a:pPr algn="ctr"/>
+              <a:r>
+                <a:rPr lang="en-US" sz="900" dirty="0"/>
+                <a:t>Title and Information Box</a:t>
+              </a:r>
+            </a:p>
+          </p:txBody>
+        </p:sp>
+        <p:sp>
+          <p:nvSpPr>
+            <p:cNvPr id="7" name="Rectangle 6">
+              <a:extLst>
+                <a:ext uri="{FF2B5EF4-FFF2-40B4-BE49-F238E27FC236}">
+                  <a16:creationId xmlns:a16="http://schemas.microsoft.com/office/drawing/2014/main" id="{A6575119-7E86-46FB-8CA4-BD29300DE980}"/>
+                </a:ext>
+              </a:extLst>
+            </p:cNvPr>
+            <p:cNvSpPr/>
+            <p:nvPr/>
+          </p:nvSpPr>
+          <p:spPr>
+            <a:xfrm>
+              <a:off x="5316583" y="1262741"/>
+              <a:ext cx="775349" cy="592183"/>
+            </a:xfrm>
+            <a:prstGeom prst="rect">
+              <a:avLst/>
+            </a:prstGeom>
+          </p:spPr>
+          <p:style>
+            <a:lnRef idx="1">
+              <a:schemeClr val="accent5"/>
+            </a:lnRef>
+            <a:fillRef idx="2">
+              <a:schemeClr val="accent5"/>
+            </a:fillRef>
+            <a:effectRef idx="1">
+              <a:schemeClr val="accent5"/>
+            </a:effectRef>
+            <a:fontRef idx="minor">
+              <a:schemeClr val="dk1"/>
+            </a:fontRef>
+          </p:style>
+          <p:txBody>
+            <a:bodyPr rtlCol="0" anchor="ctr"/>
+            <a:lstStyle/>
+            <a:p>
+              <a:pPr algn="ctr"/>
+              <a:r>
+                <a:rPr lang="en-US" sz="900" dirty="0"/>
+                <a:t>Console Display</a:t>
+              </a:r>
+            </a:p>
+          </p:txBody>
+        </p:sp>
+        <p:sp>
+          <p:nvSpPr>
+            <p:cNvPr id="10" name="Rectangle 9">
+              <a:extLst>
+                <a:ext uri="{FF2B5EF4-FFF2-40B4-BE49-F238E27FC236}">
+                  <a16:creationId xmlns:a16="http://schemas.microsoft.com/office/drawing/2014/main" id="{C3958F0D-5000-4A6F-8804-EE413F056334}"/>
+                </a:ext>
+              </a:extLst>
+            </p:cNvPr>
+            <p:cNvSpPr/>
+            <p:nvPr/>
+          </p:nvSpPr>
+          <p:spPr>
+            <a:xfrm>
+              <a:off x="5316583" y="1920231"/>
+              <a:ext cx="775349" cy="592183"/>
+            </a:xfrm>
+            <a:prstGeom prst="rect">
+              <a:avLst/>
+            </a:prstGeom>
+          </p:spPr>
+          <p:style>
+            <a:lnRef idx="1">
+              <a:schemeClr val="accent5"/>
+            </a:lnRef>
+            <a:fillRef idx="2">
+              <a:schemeClr val="accent5"/>
+            </a:fillRef>
+            <a:effectRef idx="1">
+              <a:schemeClr val="accent5"/>
+            </a:effectRef>
+            <a:fontRef idx="minor">
+              <a:schemeClr val="dk1"/>
+            </a:fontRef>
+          </p:style>
+          <p:txBody>
+            <a:bodyPr rtlCol="0" anchor="ctr"/>
+            <a:lstStyle/>
+            <a:p>
+              <a:pPr algn="ctr"/>
+              <a:r>
+                <a:rPr lang="en-US" sz="900" dirty="0"/>
+                <a:t>Arrival Time Menu</a:t>
+              </a:r>
+            </a:p>
+          </p:txBody>
+        </p:sp>
+        <p:sp>
+          <p:nvSpPr>
+            <p:cNvPr id="11" name="Rectangle 10">
+              <a:extLst>
+                <a:ext uri="{FF2B5EF4-FFF2-40B4-BE49-F238E27FC236}">
+                  <a16:creationId xmlns:a16="http://schemas.microsoft.com/office/drawing/2014/main" id="{A1A8D08F-3291-4670-8C71-BBB42630DDD2}"/>
+                </a:ext>
+              </a:extLst>
+            </p:cNvPr>
+            <p:cNvSpPr/>
+            <p:nvPr/>
+          </p:nvSpPr>
+          <p:spPr>
+            <a:xfrm>
+              <a:off x="5326776" y="2794361"/>
+              <a:ext cx="775349" cy="592183"/>
+            </a:xfrm>
+            <a:prstGeom prst="rect">
+              <a:avLst/>
+            </a:prstGeom>
+          </p:spPr>
+          <p:style>
+            <a:lnRef idx="1">
+              <a:schemeClr val="accent5"/>
+            </a:lnRef>
+            <a:fillRef idx="2">
+              <a:schemeClr val="accent5"/>
+            </a:fillRef>
+            <a:effectRef idx="1">
+              <a:schemeClr val="accent5"/>
+            </a:effectRef>
+            <a:fontRef idx="minor">
+              <a:schemeClr val="dk1"/>
+            </a:fontRef>
+          </p:style>
+          <p:txBody>
+            <a:bodyPr rtlCol="0" anchor="ctr"/>
+            <a:lstStyle/>
+            <a:p>
+              <a:pPr algn="ctr"/>
+              <a:r>
+                <a:rPr lang="en-US" sz="900" dirty="0"/>
+                <a:t>Quality Level Menu</a:t>
+              </a:r>
+            </a:p>
+          </p:txBody>
+        </p:sp>
+        <p:sp>
+          <p:nvSpPr>
+            <p:cNvPr id="12" name="Rectangle 11">
+              <a:extLst>
+                <a:ext uri="{FF2B5EF4-FFF2-40B4-BE49-F238E27FC236}">
+                  <a16:creationId xmlns:a16="http://schemas.microsoft.com/office/drawing/2014/main" id="{5F5D7D03-4926-4B8B-9371-3A1AA42D0C27}"/>
+                </a:ext>
+              </a:extLst>
+            </p:cNvPr>
+            <p:cNvSpPr/>
+            <p:nvPr/>
+          </p:nvSpPr>
+          <p:spPr>
+            <a:xfrm>
+              <a:off x="5336969" y="3499748"/>
+              <a:ext cx="769224" cy="592183"/>
+            </a:xfrm>
+            <a:prstGeom prst="rect">
+              <a:avLst/>
+            </a:prstGeom>
+          </p:spPr>
+          <p:style>
+            <a:lnRef idx="1">
+              <a:schemeClr val="accent5"/>
+            </a:lnRef>
+            <a:fillRef idx="2">
+              <a:schemeClr val="accent5"/>
+            </a:fillRef>
+            <a:effectRef idx="1">
+              <a:schemeClr val="accent5"/>
+            </a:effectRef>
+            <a:fontRef idx="minor">
+              <a:schemeClr val="dk1"/>
+            </a:fontRef>
+          </p:style>
+          <p:txBody>
+            <a:bodyPr rtlCol="0" anchor="ctr"/>
+            <a:lstStyle/>
+            <a:p>
+              <a:pPr algn="ctr"/>
+              <a:r>
+                <a:rPr lang="en-US" sz="900" dirty="0"/>
+                <a:t>Penalty Parameter Menu</a:t>
+              </a:r>
+            </a:p>
+          </p:txBody>
+        </p:sp>
+        <p:sp>
+          <p:nvSpPr>
+            <p:cNvPr id="13" name="Rectangle 12">
+              <a:extLst>
+                <a:ext uri="{FF2B5EF4-FFF2-40B4-BE49-F238E27FC236}">
+                  <a16:creationId xmlns:a16="http://schemas.microsoft.com/office/drawing/2014/main" id="{1E978EB7-CEEA-4302-8683-ED940C31B4F4}"/>
+                </a:ext>
+              </a:extLst>
+            </p:cNvPr>
+            <p:cNvSpPr/>
+            <p:nvPr/>
+          </p:nvSpPr>
+          <p:spPr>
+            <a:xfrm>
+              <a:off x="5336969" y="4205135"/>
+              <a:ext cx="775349" cy="592183"/>
+            </a:xfrm>
+            <a:prstGeom prst="rect">
+              <a:avLst/>
+            </a:prstGeom>
+          </p:spPr>
+          <p:style>
+            <a:lnRef idx="1">
+              <a:schemeClr val="accent5"/>
+            </a:lnRef>
+            <a:fillRef idx="2">
+              <a:schemeClr val="accent5"/>
+            </a:fillRef>
+            <a:effectRef idx="1">
+              <a:schemeClr val="accent5"/>
+            </a:effectRef>
+            <a:fontRef idx="minor">
+              <a:schemeClr val="dk1"/>
+            </a:fontRef>
+          </p:style>
+          <p:txBody>
+            <a:bodyPr rtlCol="0" anchor="ctr"/>
+            <a:lstStyle/>
+            <a:p>
+              <a:pPr algn="ctr"/>
+              <a:r>
+                <a:rPr lang="en-US" sz="900" dirty="0"/>
+                <a:t>Control Input Menu</a:t>
+              </a:r>
+            </a:p>
+          </p:txBody>
+        </p:sp>
+        <p:sp>
+          <p:nvSpPr>
+            <p:cNvPr id="14" name="Rectangle 13">
+              <a:extLst>
+                <a:ext uri="{FF2B5EF4-FFF2-40B4-BE49-F238E27FC236}">
+                  <a16:creationId xmlns:a16="http://schemas.microsoft.com/office/drawing/2014/main" id="{0009BB33-EFAE-417C-A0D0-B362D65F0F78}"/>
+                </a:ext>
+              </a:extLst>
+            </p:cNvPr>
+            <p:cNvSpPr/>
+            <p:nvPr/>
+          </p:nvSpPr>
+          <p:spPr>
+            <a:xfrm>
+              <a:off x="5326776" y="5410193"/>
+              <a:ext cx="775349" cy="592183"/>
+            </a:xfrm>
+            <a:prstGeom prst="rect">
+              <a:avLst/>
+            </a:prstGeom>
+          </p:spPr>
+          <p:style>
+            <a:lnRef idx="1">
+              <a:schemeClr val="accent5"/>
+            </a:lnRef>
+            <a:fillRef idx="2">
+              <a:schemeClr val="accent5"/>
+            </a:fillRef>
+            <a:effectRef idx="1">
+              <a:schemeClr val="accent5"/>
+            </a:effectRef>
+            <a:fontRef idx="minor">
+              <a:schemeClr val="dk1"/>
+            </a:fontRef>
+          </p:style>
+          <p:txBody>
+            <a:bodyPr rtlCol="0" anchor="ctr"/>
+            <a:lstStyle/>
+            <a:p>
+              <a:pPr algn="ctr"/>
+              <a:r>
+                <a:rPr lang="en-US" sz="900" dirty="0"/>
+                <a:t>Simulation Menu</a:t>
+              </a:r>
+            </a:p>
+          </p:txBody>
+        </p:sp>
+        <p:sp>
+          <p:nvSpPr>
+            <p:cNvPr id="15" name="Right Brace 14">
+              <a:extLst>
+                <a:ext uri="{FF2B5EF4-FFF2-40B4-BE49-F238E27FC236}">
+                  <a16:creationId xmlns:a16="http://schemas.microsoft.com/office/drawing/2014/main" id="{295AF80F-E7A8-4EED-890D-8E23E2ECA572}"/>
+                </a:ext>
+              </a:extLst>
+            </p:cNvPr>
+            <p:cNvSpPr/>
+            <p:nvPr/>
+          </p:nvSpPr>
+          <p:spPr>
+            <a:xfrm>
+              <a:off x="5103223" y="200297"/>
+              <a:ext cx="148046" cy="1062444"/>
+            </a:xfrm>
+            <a:prstGeom prst="rightBrace">
+              <a:avLst/>
+            </a:prstGeom>
+          </p:spPr>
+          <p:style>
+            <a:lnRef idx="3">
+              <a:schemeClr val="accent1"/>
+            </a:lnRef>
+            <a:fillRef idx="0">
+              <a:schemeClr val="accent1"/>
+            </a:fillRef>
+            <a:effectRef idx="2">
+              <a:schemeClr val="accent1"/>
+            </a:effectRef>
+            <a:fontRef idx="minor">
+              <a:schemeClr val="tx1"/>
+            </a:fontRef>
+          </p:style>
+          <p:txBody>
+            <a:bodyPr rtlCol="0" anchor="ctr"/>
+            <a:lstStyle/>
+            <a:p>
+              <a:pPr algn="ctr"/>
+              <a:endParaRPr lang="en-US"/>
+            </a:p>
+          </p:txBody>
+        </p:sp>
+        <p:sp>
+          <p:nvSpPr>
+            <p:cNvPr id="16" name="Right Brace 15">
+              <a:extLst>
+                <a:ext uri="{FF2B5EF4-FFF2-40B4-BE49-F238E27FC236}">
+                  <a16:creationId xmlns:a16="http://schemas.microsoft.com/office/drawing/2014/main" id="{BB2FE9AA-8FAF-4AA8-AC82-772D4D7AA30A}"/>
+                </a:ext>
+              </a:extLst>
+            </p:cNvPr>
+            <p:cNvSpPr/>
+            <p:nvPr/>
+          </p:nvSpPr>
+          <p:spPr>
+            <a:xfrm>
+              <a:off x="5105400" y="1389009"/>
+              <a:ext cx="145869" cy="361414"/>
+            </a:xfrm>
+            <a:prstGeom prst="rightBrace">
+              <a:avLst/>
+            </a:prstGeom>
+          </p:spPr>
+          <p:style>
+            <a:lnRef idx="3">
+              <a:schemeClr val="accent1"/>
+            </a:lnRef>
+            <a:fillRef idx="0">
+              <a:schemeClr val="accent1"/>
+            </a:fillRef>
+            <a:effectRef idx="2">
+              <a:schemeClr val="accent1"/>
+            </a:effectRef>
+            <a:fontRef idx="minor">
+              <a:schemeClr val="tx1"/>
+            </a:fontRef>
+          </p:style>
+          <p:txBody>
+            <a:bodyPr rtlCol="0" anchor="ctr"/>
+            <a:lstStyle/>
+            <a:p>
+              <a:pPr algn="ctr"/>
+              <a:endParaRPr lang="en-US"/>
+            </a:p>
+          </p:txBody>
+        </p:sp>
+        <p:sp>
+          <p:nvSpPr>
+            <p:cNvPr id="17" name="Right Brace 16">
+              <a:extLst>
+                <a:ext uri="{FF2B5EF4-FFF2-40B4-BE49-F238E27FC236}">
+                  <a16:creationId xmlns:a16="http://schemas.microsoft.com/office/drawing/2014/main" id="{E57E6FC0-EC6D-4BFE-B57C-4A4B3549A5F6}"/>
+                </a:ext>
+              </a:extLst>
+            </p:cNvPr>
+            <p:cNvSpPr/>
+            <p:nvPr/>
+          </p:nvSpPr>
+          <p:spPr>
+            <a:xfrm>
+              <a:off x="5105400" y="1854908"/>
+              <a:ext cx="145869" cy="731538"/>
+            </a:xfrm>
+            <a:prstGeom prst="rightBrace">
+              <a:avLst/>
+            </a:prstGeom>
+          </p:spPr>
+          <p:style>
+            <a:lnRef idx="3">
+              <a:schemeClr val="accent1"/>
+            </a:lnRef>
+            <a:fillRef idx="0">
+              <a:schemeClr val="accent1"/>
+            </a:fillRef>
+            <a:effectRef idx="2">
+              <a:schemeClr val="accent1"/>
+            </a:effectRef>
+            <a:fontRef idx="minor">
+              <a:schemeClr val="tx1"/>
+            </a:fontRef>
+          </p:style>
+          <p:txBody>
+            <a:bodyPr rtlCol="0" anchor="ctr"/>
+            <a:lstStyle/>
+            <a:p>
+              <a:pPr algn="ctr"/>
+              <a:endParaRPr lang="en-US"/>
+            </a:p>
+          </p:txBody>
+        </p:sp>
+        <p:sp>
+          <p:nvSpPr>
+            <p:cNvPr id="18" name="Right Brace 17">
+              <a:extLst>
+                <a:ext uri="{FF2B5EF4-FFF2-40B4-BE49-F238E27FC236}">
+                  <a16:creationId xmlns:a16="http://schemas.microsoft.com/office/drawing/2014/main" id="{A7D1D952-651D-4BBA-9C7A-85F19B8DC631}"/>
+                </a:ext>
+              </a:extLst>
+            </p:cNvPr>
+            <p:cNvSpPr/>
+            <p:nvPr/>
+          </p:nvSpPr>
+          <p:spPr>
+            <a:xfrm>
+              <a:off x="5100303" y="2724682"/>
+              <a:ext cx="145869" cy="775065"/>
+            </a:xfrm>
+            <a:prstGeom prst="rightBrace">
+              <a:avLst/>
+            </a:prstGeom>
+          </p:spPr>
+          <p:style>
+            <a:lnRef idx="3">
+              <a:schemeClr val="accent1"/>
+            </a:lnRef>
+            <a:fillRef idx="0">
+              <a:schemeClr val="accent1"/>
+            </a:fillRef>
+            <a:effectRef idx="2">
+              <a:schemeClr val="accent1"/>
+            </a:effectRef>
+            <a:fontRef idx="minor">
+              <a:schemeClr val="tx1"/>
+            </a:fontRef>
+          </p:style>
+          <p:txBody>
+            <a:bodyPr rtlCol="0" anchor="ctr"/>
+            <a:lstStyle/>
+            <a:p>
+              <a:pPr algn="ctr"/>
+              <a:endParaRPr lang="en-US"/>
+            </a:p>
+          </p:txBody>
+        </p:sp>
+        <p:sp>
+          <p:nvSpPr>
+            <p:cNvPr id="19" name="Right Brace 18">
+              <a:extLst>
+                <a:ext uri="{FF2B5EF4-FFF2-40B4-BE49-F238E27FC236}">
+                  <a16:creationId xmlns:a16="http://schemas.microsoft.com/office/drawing/2014/main" id="{19822289-A1F4-49EE-A1F2-6541754C7BC0}"/>
+                </a:ext>
+              </a:extLst>
+            </p:cNvPr>
+            <p:cNvSpPr/>
+            <p:nvPr/>
+          </p:nvSpPr>
+          <p:spPr>
+            <a:xfrm>
+              <a:off x="5100303" y="3585164"/>
+              <a:ext cx="145869" cy="385946"/>
+            </a:xfrm>
+            <a:prstGeom prst="rightBrace">
+              <a:avLst/>
+            </a:prstGeom>
+          </p:spPr>
+          <p:style>
+            <a:lnRef idx="3">
+              <a:schemeClr val="accent1"/>
+            </a:lnRef>
+            <a:fillRef idx="0">
+              <a:schemeClr val="accent1"/>
+            </a:fillRef>
+            <a:effectRef idx="2">
+              <a:schemeClr val="accent1"/>
+            </a:effectRef>
+            <a:fontRef idx="minor">
+              <a:schemeClr val="tx1"/>
+            </a:fontRef>
+          </p:style>
+          <p:txBody>
+            <a:bodyPr rtlCol="0" anchor="ctr"/>
+            <a:lstStyle/>
+            <a:p>
+              <a:pPr algn="ctr"/>
+              <a:endParaRPr lang="en-US"/>
+            </a:p>
+          </p:txBody>
+        </p:sp>
+        <p:sp>
+          <p:nvSpPr>
+            <p:cNvPr id="20" name="Right Brace 19">
+              <a:extLst>
+                <a:ext uri="{FF2B5EF4-FFF2-40B4-BE49-F238E27FC236}">
+                  <a16:creationId xmlns:a16="http://schemas.microsoft.com/office/drawing/2014/main" id="{08D59C77-600A-4445-96BF-8331969850E6}"/>
+                </a:ext>
+              </a:extLst>
+            </p:cNvPr>
+            <p:cNvSpPr/>
+            <p:nvPr/>
+          </p:nvSpPr>
+          <p:spPr>
+            <a:xfrm>
+              <a:off x="5094515" y="4056527"/>
+              <a:ext cx="156754" cy="837690"/>
+            </a:xfrm>
+            <a:prstGeom prst="rightBrace">
+              <a:avLst/>
+            </a:prstGeom>
+          </p:spPr>
+          <p:style>
+            <a:lnRef idx="3">
+              <a:schemeClr val="accent1"/>
+            </a:lnRef>
+            <a:fillRef idx="0">
+              <a:schemeClr val="accent1"/>
+            </a:fillRef>
+            <a:effectRef idx="2">
+              <a:schemeClr val="accent1"/>
+            </a:effectRef>
+            <a:fontRef idx="minor">
+              <a:schemeClr val="tx1"/>
+            </a:fontRef>
+          </p:style>
+          <p:txBody>
+            <a:bodyPr rtlCol="0" anchor="ctr"/>
+            <a:lstStyle/>
+            <a:p>
+              <a:pPr algn="ctr"/>
+              <a:endParaRPr lang="en-US"/>
+            </a:p>
+          </p:txBody>
+        </p:sp>
+        <p:sp>
+          <p:nvSpPr>
+            <p:cNvPr id="21" name="Right Brace 20">
+              <a:extLst>
+                <a:ext uri="{FF2B5EF4-FFF2-40B4-BE49-F238E27FC236}">
+                  <a16:creationId xmlns:a16="http://schemas.microsoft.com/office/drawing/2014/main" id="{135C1155-113D-4115-AD76-2A6ED87C7632}"/>
+                </a:ext>
+              </a:extLst>
+            </p:cNvPr>
+            <p:cNvSpPr/>
+            <p:nvPr/>
+          </p:nvSpPr>
+          <p:spPr>
+            <a:xfrm>
+              <a:off x="5127494" y="4991348"/>
+              <a:ext cx="118678" cy="1444286"/>
+            </a:xfrm>
+            <a:prstGeom prst="rightBrace">
+              <a:avLst/>
+            </a:prstGeom>
+          </p:spPr>
+          <p:style>
+            <a:lnRef idx="3">
+              <a:schemeClr val="accent1"/>
+            </a:lnRef>
+            <a:fillRef idx="0">
+              <a:schemeClr val="accent1"/>
+            </a:fillRef>
+            <a:effectRef idx="2">
+              <a:schemeClr val="accent1"/>
+            </a:effectRef>
+            <a:fontRef idx="minor">
+              <a:schemeClr val="tx1"/>
+            </a:fontRef>
+          </p:style>
+          <p:txBody>
+            <a:bodyPr rtlCol="0" anchor="ctr"/>
+            <a:lstStyle/>
+            <a:p>
+              <a:pPr algn="ctr"/>
+              <a:endParaRPr lang="en-US"/>
+            </a:p>
+          </p:txBody>
+        </p:sp>
+      </p:grpSp>
+    </p:spTree>
+    <p:extLst>
+      <p:ext uri="{BB962C8B-B14F-4D97-AF65-F5344CB8AC3E}">
+        <p14:creationId xmlns:p14="http://schemas.microsoft.com/office/powerpoint/2010/main" val="1033954285"/>
+      </p:ext>
+    </p:extLst>
+  </p:cSld>
+  <p:clrMapOvr>
+    <a:masterClrMapping/>
+  </p:clrMapOvr>
+</p:sld>
+</file>
+
+<file path=ppt/slides/slide4.xml><?xml version="1.0" encoding="utf-8"?>
+<p:sld xmlns:a="http://schemas.openxmlformats.org/drawingml/2006/main" xmlns:r="http://schemas.openxmlformats.org/officeDocument/2006/relationships" xmlns:p="http://schemas.openxmlformats.org/presentationml/2006/main">
+  <p:cSld>
+    <p:spTree>
+      <p:nvGrpSpPr>
+        <p:cNvPr id="1" name=""/>
+        <p:cNvGrpSpPr/>
+        <p:nvPr/>
+      </p:nvGrpSpPr>
+      <p:grpSpPr>
+        <a:xfrm>
+          <a:off x="0" y="0"/>
+          <a:ext cx="0" cy="0"/>
+          <a:chOff x="0" y="0"/>
+          <a:chExt cx="0" cy="0"/>
+        </a:xfrm>
+      </p:grpSpPr>
+      <p:grpSp>
+        <p:nvGrpSpPr>
+          <p:cNvPr id="31" name="Group 30">
+            <a:extLst>
+              <a:ext uri="{FF2B5EF4-FFF2-40B4-BE49-F238E27FC236}">
+                <a16:creationId xmlns:a16="http://schemas.microsoft.com/office/drawing/2014/main" id="{8A3E53A3-BDC8-4D95-A1CA-A30E81401D02}"/>
+              </a:ext>
+            </a:extLst>
+          </p:cNvPr>
+          <p:cNvGrpSpPr/>
+          <p:nvPr/>
+        </p:nvGrpSpPr>
+        <p:grpSpPr>
+          <a:xfrm>
+            <a:off x="2003515" y="1514386"/>
+            <a:ext cx="6918419" cy="3525484"/>
+            <a:chOff x="1851115" y="91986"/>
+            <a:chExt cx="6918419" cy="3525484"/>
+          </a:xfrm>
+        </p:grpSpPr>
+        <p:pic>
+          <p:nvPicPr>
+            <p:cNvPr id="5" name="Picture 4">
+              <a:extLst>
+                <a:ext uri="{FF2B5EF4-FFF2-40B4-BE49-F238E27FC236}">
+                  <a16:creationId xmlns:a16="http://schemas.microsoft.com/office/drawing/2014/main" id="{1BB6088A-C9FC-45D0-86BF-09545A7FE2C0}"/>
+                </a:ext>
+              </a:extLst>
+            </p:cNvPr>
+            <p:cNvPicPr>
+              <a:picLocks noChangeAspect="1"/>
+            </p:cNvPicPr>
+            <p:nvPr/>
+          </p:nvPicPr>
+          <p:blipFill>
+            <a:blip r:embed="rId2"/>
+            <a:stretch>
+              <a:fillRect/>
+            </a:stretch>
+          </p:blipFill>
+          <p:spPr>
+            <a:xfrm>
+              <a:off x="1851115" y="1402487"/>
+              <a:ext cx="6918419" cy="1547541"/>
+            </a:xfrm>
+            <a:prstGeom prst="rect">
+              <a:avLst/>
+            </a:prstGeom>
+            <a:ln>
+              <a:solidFill>
+                <a:schemeClr val="tx1"/>
+              </a:solidFill>
+            </a:ln>
+          </p:spPr>
+        </p:pic>
+        <p:sp>
+          <p:nvSpPr>
+            <p:cNvPr id="8" name="Rectangle 7">
+              <a:extLst>
+                <a:ext uri="{FF2B5EF4-FFF2-40B4-BE49-F238E27FC236}">
+                  <a16:creationId xmlns:a16="http://schemas.microsoft.com/office/drawing/2014/main" id="{329B297B-0B4B-43B7-ABB3-A5A19E9DC879}"/>
+                </a:ext>
+              </a:extLst>
+            </p:cNvPr>
+            <p:cNvSpPr/>
+            <p:nvPr/>
+          </p:nvSpPr>
+          <p:spPr>
+            <a:xfrm>
+              <a:off x="1851115" y="613532"/>
+              <a:ext cx="1423307" cy="644028"/>
+            </a:xfrm>
+            <a:prstGeom prst="rect">
+              <a:avLst/>
+            </a:prstGeom>
+          </p:spPr>
+          <p:style>
+            <a:lnRef idx="1">
+              <a:schemeClr val="accent5"/>
+            </a:lnRef>
+            <a:fillRef idx="2">
+              <a:schemeClr val="accent5"/>
+            </a:fillRef>
+            <a:effectRef idx="1">
+              <a:schemeClr val="accent5"/>
+            </a:effectRef>
+            <a:fontRef idx="minor">
+              <a:schemeClr val="dk1"/>
+            </a:fontRef>
+          </p:style>
+          <p:txBody>
+            <a:bodyPr rtlCol="0" anchor="ctr"/>
+            <a:lstStyle/>
+            <a:p>
+              <a:pPr algn="ctr"/>
+              <a:r>
+                <a:rPr lang="en-US" sz="1200" dirty="0"/>
+                <a:t> Number of arrivals</a:t>
+              </a:r>
+            </a:p>
+          </p:txBody>
+        </p:sp>
+        <p:sp>
+          <p:nvSpPr>
+            <p:cNvPr id="9" name="Rectangle 8">
+              <a:extLst>
+                <a:ext uri="{FF2B5EF4-FFF2-40B4-BE49-F238E27FC236}">
+                  <a16:creationId xmlns:a16="http://schemas.microsoft.com/office/drawing/2014/main" id="{512CAA30-E53F-4D08-80A8-668A920B0CB7}"/>
+                </a:ext>
+              </a:extLst>
+            </p:cNvPr>
+            <p:cNvSpPr/>
+            <p:nvPr/>
+          </p:nvSpPr>
+          <p:spPr>
+            <a:xfrm>
+              <a:off x="3369294" y="91986"/>
+              <a:ext cx="1784003" cy="1165573"/>
+            </a:xfrm>
+            <a:prstGeom prst="rect">
+              <a:avLst/>
+            </a:prstGeom>
+          </p:spPr>
+          <p:style>
+            <a:lnRef idx="1">
+              <a:schemeClr val="accent5"/>
+            </a:lnRef>
+            <a:fillRef idx="2">
+              <a:schemeClr val="accent5"/>
+            </a:fillRef>
+            <a:effectRef idx="1">
+              <a:schemeClr val="accent5"/>
+            </a:effectRef>
+            <a:fontRef idx="minor">
+              <a:schemeClr val="dk1"/>
+            </a:fontRef>
+          </p:style>
+          <p:txBody>
+            <a:bodyPr rtlCol="0" anchor="ctr"/>
+            <a:lstStyle/>
+            <a:p>
+              <a:pPr algn="ctr"/>
+              <a:r>
+                <a:rPr lang="en-US" sz="1200" dirty="0"/>
+                <a:t> Arrival time generation methods:</a:t>
+              </a:r>
+            </a:p>
+            <a:p>
+              <a:pPr marL="228600" indent="-228600">
+                <a:buAutoNum type="arabicPeriod"/>
+              </a:pPr>
+              <a:r>
+                <a:rPr lang="en-US" sz="1200" dirty="0"/>
+                <a:t>Deterministic</a:t>
+              </a:r>
+            </a:p>
+            <a:p>
+              <a:pPr marL="228600" indent="-228600">
+                <a:buAutoNum type="arabicPeriod"/>
+              </a:pPr>
+              <a:r>
+                <a:rPr lang="en-US" sz="1200" dirty="0"/>
+                <a:t>Uniformly Random</a:t>
+              </a:r>
+            </a:p>
+            <a:p>
+              <a:pPr marL="228600" indent="-228600">
+                <a:buAutoNum type="arabicPeriod"/>
+              </a:pPr>
+              <a:r>
+                <a:rPr lang="en-US" sz="1200" dirty="0"/>
+                <a:t>Poisson Distributed</a:t>
+              </a:r>
+            </a:p>
+            <a:p>
+              <a:pPr marL="228600" indent="-228600">
+                <a:buAutoNum type="arabicPeriod"/>
+              </a:pPr>
+              <a:r>
+                <a:rPr lang="en-US" sz="1200" dirty="0"/>
+                <a:t>Custom</a:t>
+              </a:r>
+            </a:p>
+          </p:txBody>
+        </p:sp>
+        <p:sp>
+          <p:nvSpPr>
+            <p:cNvPr id="10" name="Rectangle 9">
+              <a:extLst>
+                <a:ext uri="{FF2B5EF4-FFF2-40B4-BE49-F238E27FC236}">
+                  <a16:creationId xmlns:a16="http://schemas.microsoft.com/office/drawing/2014/main" id="{02AA9E41-DB11-4F07-A104-3E5D03E8F920}"/>
+                </a:ext>
+              </a:extLst>
+            </p:cNvPr>
+            <p:cNvSpPr/>
+            <p:nvPr/>
+          </p:nvSpPr>
+          <p:spPr>
+            <a:xfrm>
+              <a:off x="5320458" y="613531"/>
+              <a:ext cx="1551084" cy="630542"/>
+            </a:xfrm>
+            <a:prstGeom prst="rect">
+              <a:avLst/>
+            </a:prstGeom>
+          </p:spPr>
+          <p:style>
+            <a:lnRef idx="1">
+              <a:schemeClr val="accent5"/>
+            </a:lnRef>
+            <a:fillRef idx="2">
+              <a:schemeClr val="accent5"/>
+            </a:fillRef>
+            <a:effectRef idx="1">
+              <a:schemeClr val="accent5"/>
+            </a:effectRef>
+            <a:fontRef idx="minor">
+              <a:schemeClr val="dk1"/>
+            </a:fontRef>
+          </p:style>
+          <p:txBody>
+            <a:bodyPr rtlCol="0" anchor="ctr"/>
+            <a:lstStyle/>
+            <a:p>
+              <a:pPr algn="ctr"/>
+              <a:r>
+                <a:rPr lang="en-US" sz="1200" dirty="0"/>
+                <a:t>Parameters of the arrival time generation method</a:t>
+              </a:r>
+            </a:p>
+          </p:txBody>
+        </p:sp>
+        <p:sp>
+          <p:nvSpPr>
+            <p:cNvPr id="11" name="Rectangle 10">
+              <a:extLst>
+                <a:ext uri="{FF2B5EF4-FFF2-40B4-BE49-F238E27FC236}">
+                  <a16:creationId xmlns:a16="http://schemas.microsoft.com/office/drawing/2014/main" id="{B5DE48A5-A5BB-461A-8F6B-BD946A4B817E}"/>
+                </a:ext>
+              </a:extLst>
+            </p:cNvPr>
+            <p:cNvSpPr/>
+            <p:nvPr/>
+          </p:nvSpPr>
+          <p:spPr>
+            <a:xfrm>
+              <a:off x="6957191" y="613531"/>
+              <a:ext cx="1551084" cy="637186"/>
+            </a:xfrm>
+            <a:prstGeom prst="rect">
+              <a:avLst/>
+            </a:prstGeom>
+          </p:spPr>
+          <p:style>
+            <a:lnRef idx="1">
+              <a:schemeClr val="accent5"/>
+            </a:lnRef>
+            <a:fillRef idx="2">
+              <a:schemeClr val="accent5"/>
+            </a:fillRef>
+            <a:effectRef idx="1">
+              <a:schemeClr val="accent5"/>
+            </a:effectRef>
+            <a:fontRef idx="minor">
+              <a:schemeClr val="dk1"/>
+            </a:fontRef>
+          </p:style>
+          <p:txBody>
+            <a:bodyPr rtlCol="0" anchor="ctr"/>
+            <a:lstStyle/>
+            <a:p>
+              <a:pPr algn="ctr"/>
+              <a:r>
+                <a:rPr lang="en-US" sz="1200" dirty="0"/>
+                <a:t>Re-generate a set of arrival times</a:t>
+              </a:r>
+            </a:p>
+          </p:txBody>
+        </p:sp>
+        <p:sp>
+          <p:nvSpPr>
+            <p:cNvPr id="12" name="Rectangle 11">
+              <a:extLst>
+                <a:ext uri="{FF2B5EF4-FFF2-40B4-BE49-F238E27FC236}">
+                  <a16:creationId xmlns:a16="http://schemas.microsoft.com/office/drawing/2014/main" id="{BC13979E-07EF-4847-9FAF-6691297714AB}"/>
+                </a:ext>
+              </a:extLst>
+            </p:cNvPr>
+            <p:cNvSpPr/>
+            <p:nvPr/>
+          </p:nvSpPr>
+          <p:spPr>
+            <a:xfrm>
+              <a:off x="6723498" y="3053884"/>
+              <a:ext cx="2046036" cy="563586"/>
+            </a:xfrm>
+            <a:prstGeom prst="rect">
+              <a:avLst/>
+            </a:prstGeom>
+          </p:spPr>
+          <p:style>
+            <a:lnRef idx="1">
+              <a:schemeClr val="accent5"/>
+            </a:lnRef>
+            <a:fillRef idx="2">
+              <a:schemeClr val="accent5"/>
+            </a:fillRef>
+            <a:effectRef idx="1">
+              <a:schemeClr val="accent5"/>
+            </a:effectRef>
+            <a:fontRef idx="minor">
+              <a:schemeClr val="dk1"/>
+            </a:fontRef>
+          </p:style>
+          <p:txBody>
+            <a:bodyPr rtlCol="0" anchor="ctr"/>
+            <a:lstStyle/>
+            <a:p>
+              <a:pPr algn="ctr"/>
+              <a:r>
+                <a:rPr lang="en-US" sz="1200" dirty="0"/>
+                <a:t>Update the custom entered arrival times from the table</a:t>
+              </a:r>
+            </a:p>
+          </p:txBody>
+        </p:sp>
+        <p:sp>
+          <p:nvSpPr>
+            <p:cNvPr id="13" name="Rectangle 12">
+              <a:extLst>
+                <a:ext uri="{FF2B5EF4-FFF2-40B4-BE49-F238E27FC236}">
+                  <a16:creationId xmlns:a16="http://schemas.microsoft.com/office/drawing/2014/main" id="{6E3C8282-062B-464A-87C0-8B162619510A}"/>
+                </a:ext>
+              </a:extLst>
+            </p:cNvPr>
+            <p:cNvSpPr/>
+            <p:nvPr/>
+          </p:nvSpPr>
+          <p:spPr>
+            <a:xfrm>
+              <a:off x="1851115" y="3053884"/>
+              <a:ext cx="2046036" cy="563586"/>
+            </a:xfrm>
+            <a:prstGeom prst="rect">
+              <a:avLst/>
+            </a:prstGeom>
+          </p:spPr>
+          <p:style>
+            <a:lnRef idx="1">
+              <a:schemeClr val="accent5"/>
+            </a:lnRef>
+            <a:fillRef idx="2">
+              <a:schemeClr val="accent5"/>
+            </a:fillRef>
+            <a:effectRef idx="1">
+              <a:schemeClr val="accent5"/>
+            </a:effectRef>
+            <a:fontRef idx="minor">
+              <a:schemeClr val="dk1"/>
+            </a:fontRef>
+          </p:style>
+          <p:txBody>
+            <a:bodyPr rtlCol="0" anchor="ctr"/>
+            <a:lstStyle/>
+            <a:p>
+              <a:pPr algn="ctr"/>
+              <a:r>
+                <a:rPr lang="en-US" sz="1200" dirty="0"/>
+                <a:t>Generated arrival time values (Also editable)</a:t>
+              </a:r>
+            </a:p>
+          </p:txBody>
+        </p:sp>
+        <p:cxnSp>
+          <p:nvCxnSpPr>
+            <p:cNvPr id="15" name="Straight Arrow Connector 14">
+              <a:extLst>
+                <a:ext uri="{FF2B5EF4-FFF2-40B4-BE49-F238E27FC236}">
+                  <a16:creationId xmlns:a16="http://schemas.microsoft.com/office/drawing/2014/main" id="{9DF88E02-3D3A-4AE1-B4DE-E5A52BA50A1D}"/>
+                </a:ext>
+              </a:extLst>
+            </p:cNvPr>
+            <p:cNvCxnSpPr>
+              <a:stCxn id="8" idx="2"/>
+            </p:cNvCxnSpPr>
+            <p:nvPr/>
+          </p:nvCxnSpPr>
+          <p:spPr>
+            <a:xfrm flipH="1">
+              <a:off x="2562768" y="1257560"/>
+              <a:ext cx="1" cy="588657"/>
+            </a:xfrm>
+            <a:prstGeom prst="straightConnector1">
+              <a:avLst/>
+            </a:prstGeom>
+            <a:ln>
+              <a:tailEnd type="triangle"/>
+            </a:ln>
+          </p:spPr>
+          <p:style>
+            <a:lnRef idx="1">
+              <a:schemeClr val="accent1"/>
+            </a:lnRef>
+            <a:fillRef idx="0">
+              <a:schemeClr val="accent1"/>
+            </a:fillRef>
+            <a:effectRef idx="0">
+              <a:schemeClr val="accent1"/>
+            </a:effectRef>
+            <a:fontRef idx="minor">
+              <a:schemeClr val="tx1"/>
+            </a:fontRef>
+          </p:style>
+        </p:cxnSp>
+        <p:cxnSp>
+          <p:nvCxnSpPr>
+            <p:cNvPr id="17" name="Straight Arrow Connector 16">
+              <a:extLst>
+                <a:ext uri="{FF2B5EF4-FFF2-40B4-BE49-F238E27FC236}">
+                  <a16:creationId xmlns:a16="http://schemas.microsoft.com/office/drawing/2014/main" id="{F5FF0392-7EB8-4F9B-A843-78F4656AE476}"/>
+                </a:ext>
+              </a:extLst>
+            </p:cNvPr>
+            <p:cNvCxnSpPr>
+              <a:cxnSpLocks/>
+              <a:stCxn id="9" idx="2"/>
+            </p:cNvCxnSpPr>
+            <p:nvPr/>
+          </p:nvCxnSpPr>
+          <p:spPr>
+            <a:xfrm>
+              <a:off x="4261296" y="1257559"/>
+              <a:ext cx="1" cy="388362"/>
+            </a:xfrm>
+            <a:prstGeom prst="straightConnector1">
+              <a:avLst/>
+            </a:prstGeom>
+            <a:ln>
+              <a:tailEnd type="triangle"/>
+            </a:ln>
+          </p:spPr>
+          <p:style>
+            <a:lnRef idx="1">
+              <a:schemeClr val="accent1"/>
+            </a:lnRef>
+            <a:fillRef idx="0">
+              <a:schemeClr val="accent1"/>
+            </a:fillRef>
+            <a:effectRef idx="0">
+              <a:schemeClr val="accent1"/>
+            </a:effectRef>
+            <a:fontRef idx="minor">
+              <a:schemeClr val="tx1"/>
+            </a:fontRef>
+          </p:style>
+        </p:cxnSp>
+        <p:sp>
+          <p:nvSpPr>
+            <p:cNvPr id="19" name="Left Brace 18">
+              <a:extLst>
+                <a:ext uri="{FF2B5EF4-FFF2-40B4-BE49-F238E27FC236}">
+                  <a16:creationId xmlns:a16="http://schemas.microsoft.com/office/drawing/2014/main" id="{5484C231-EB51-49E6-8F2F-B239DF405DD6}"/>
+                </a:ext>
+              </a:extLst>
+            </p:cNvPr>
+            <p:cNvSpPr/>
+            <p:nvPr/>
+          </p:nvSpPr>
+          <p:spPr>
+            <a:xfrm rot="5400000">
+              <a:off x="6048983" y="792380"/>
+              <a:ext cx="94032" cy="1613049"/>
+            </a:xfrm>
+            <a:prstGeom prst="leftBrace">
+              <a:avLst/>
+            </a:prstGeom>
+          </p:spPr>
+          <p:style>
+            <a:lnRef idx="3">
+              <a:schemeClr val="accent1"/>
+            </a:lnRef>
+            <a:fillRef idx="0">
+              <a:schemeClr val="accent1"/>
+            </a:fillRef>
+            <a:effectRef idx="2">
+              <a:schemeClr val="accent1"/>
+            </a:effectRef>
+            <a:fontRef idx="minor">
+              <a:schemeClr val="tx1"/>
+            </a:fontRef>
+          </p:style>
+          <p:txBody>
+            <a:bodyPr rtlCol="0" anchor="ctr"/>
+            <a:lstStyle/>
+            <a:p>
+              <a:pPr algn="ctr"/>
+              <a:endParaRPr lang="en-US"/>
+            </a:p>
+          </p:txBody>
+        </p:sp>
+        <p:cxnSp>
+          <p:nvCxnSpPr>
+            <p:cNvPr id="21" name="Straight Arrow Connector 20">
+              <a:extLst>
+                <a:ext uri="{FF2B5EF4-FFF2-40B4-BE49-F238E27FC236}">
+                  <a16:creationId xmlns:a16="http://schemas.microsoft.com/office/drawing/2014/main" id="{6BCFAB89-0694-4819-8AF3-09EE8CF9C47E}"/>
+                </a:ext>
+              </a:extLst>
+            </p:cNvPr>
+            <p:cNvCxnSpPr>
+              <a:cxnSpLocks/>
+              <a:stCxn id="10" idx="2"/>
+              <a:endCxn id="19" idx="1"/>
+            </p:cNvCxnSpPr>
+            <p:nvPr/>
+          </p:nvCxnSpPr>
+          <p:spPr>
+            <a:xfrm flipH="1">
+              <a:off x="6095999" y="1244073"/>
+              <a:ext cx="1" cy="307816"/>
+            </a:xfrm>
+            <a:prstGeom prst="straightConnector1">
+              <a:avLst/>
+            </a:prstGeom>
+            <a:ln>
+              <a:tailEnd type="triangle"/>
+            </a:ln>
+          </p:spPr>
+          <p:style>
+            <a:lnRef idx="1">
+              <a:schemeClr val="accent1"/>
+            </a:lnRef>
+            <a:fillRef idx="0">
+              <a:schemeClr val="accent1"/>
+            </a:fillRef>
+            <a:effectRef idx="0">
+              <a:schemeClr val="accent1"/>
+            </a:effectRef>
+            <a:fontRef idx="minor">
+              <a:schemeClr val="tx1"/>
+            </a:fontRef>
+          </p:style>
+        </p:cxnSp>
+        <p:cxnSp>
+          <p:nvCxnSpPr>
+            <p:cNvPr id="25" name="Straight Arrow Connector 24">
+              <a:extLst>
+                <a:ext uri="{FF2B5EF4-FFF2-40B4-BE49-F238E27FC236}">
+                  <a16:creationId xmlns:a16="http://schemas.microsoft.com/office/drawing/2014/main" id="{CB242B08-2FB9-4F59-9931-145D1A9B7742}"/>
+                </a:ext>
+              </a:extLst>
+            </p:cNvPr>
+            <p:cNvCxnSpPr>
+              <a:stCxn id="11" idx="2"/>
+            </p:cNvCxnSpPr>
+            <p:nvPr/>
+          </p:nvCxnSpPr>
+          <p:spPr>
+            <a:xfrm flipH="1">
+              <a:off x="7486650" y="1250717"/>
+              <a:ext cx="246083" cy="463783"/>
+            </a:xfrm>
+            <a:prstGeom prst="straightConnector1">
+              <a:avLst/>
+            </a:prstGeom>
+            <a:ln>
+              <a:tailEnd type="triangle"/>
+            </a:ln>
+          </p:spPr>
+          <p:style>
+            <a:lnRef idx="1">
+              <a:schemeClr val="accent1"/>
+            </a:lnRef>
+            <a:fillRef idx="0">
+              <a:schemeClr val="accent1"/>
+            </a:fillRef>
+            <a:effectRef idx="0">
+              <a:schemeClr val="accent1"/>
+            </a:effectRef>
+            <a:fontRef idx="minor">
+              <a:schemeClr val="tx1"/>
+            </a:fontRef>
+          </p:style>
+        </p:cxnSp>
+        <p:cxnSp>
+          <p:nvCxnSpPr>
+            <p:cNvPr id="27" name="Straight Arrow Connector 26">
+              <a:extLst>
+                <a:ext uri="{FF2B5EF4-FFF2-40B4-BE49-F238E27FC236}">
+                  <a16:creationId xmlns:a16="http://schemas.microsoft.com/office/drawing/2014/main" id="{0771A231-245F-42C6-99F3-6646360041B4}"/>
+                </a:ext>
+              </a:extLst>
+            </p:cNvPr>
+            <p:cNvCxnSpPr>
+              <a:stCxn id="12" idx="0"/>
+            </p:cNvCxnSpPr>
+            <p:nvPr/>
+          </p:nvCxnSpPr>
+          <p:spPr>
+            <a:xfrm flipV="1">
+              <a:off x="7746516" y="1920240"/>
+              <a:ext cx="467844" cy="1133644"/>
+            </a:xfrm>
+            <a:prstGeom prst="straightConnector1">
+              <a:avLst/>
+            </a:prstGeom>
+            <a:ln>
+              <a:tailEnd type="triangle"/>
+            </a:ln>
+          </p:spPr>
+          <p:style>
+            <a:lnRef idx="1">
+              <a:schemeClr val="accent1"/>
+            </a:lnRef>
+            <a:fillRef idx="0">
+              <a:schemeClr val="accent1"/>
+            </a:fillRef>
+            <a:effectRef idx="0">
+              <a:schemeClr val="accent1"/>
+            </a:effectRef>
+            <a:fontRef idx="minor">
+              <a:schemeClr val="tx1"/>
+            </a:fontRef>
+          </p:style>
+        </p:cxnSp>
+        <p:cxnSp>
+          <p:nvCxnSpPr>
+            <p:cNvPr id="29" name="Connector: Elbow 28">
+              <a:extLst>
+                <a:ext uri="{FF2B5EF4-FFF2-40B4-BE49-F238E27FC236}">
+                  <a16:creationId xmlns:a16="http://schemas.microsoft.com/office/drawing/2014/main" id="{0DAF5981-CD22-4F07-838C-D917074B6ECF}"/>
+                </a:ext>
+              </a:extLst>
+            </p:cNvPr>
+            <p:cNvCxnSpPr/>
+            <p:nvPr/>
+          </p:nvCxnSpPr>
+          <p:spPr>
+            <a:xfrm flipV="1">
+              <a:off x="3897151" y="2606040"/>
+              <a:ext cx="1543529" cy="729637"/>
+            </a:xfrm>
+            <a:prstGeom prst="bentConnector3">
+              <a:avLst>
+                <a:gd name="adj1" fmla="val 100355"/>
+              </a:avLst>
+            </a:prstGeom>
+            <a:ln>
+              <a:tailEnd type="triangle"/>
+            </a:ln>
+          </p:spPr>
+          <p:style>
+            <a:lnRef idx="1">
+              <a:schemeClr val="accent1"/>
+            </a:lnRef>
+            <a:fillRef idx="0">
+              <a:schemeClr val="accent1"/>
+            </a:fillRef>
+            <a:effectRef idx="0">
+              <a:schemeClr val="accent1"/>
+            </a:effectRef>
+            <a:fontRef idx="minor">
+              <a:schemeClr val="tx1"/>
+            </a:fontRef>
+          </p:style>
+        </p:cxnSp>
+      </p:grpSp>
+    </p:spTree>
+    <p:extLst>
+      <p:ext uri="{BB962C8B-B14F-4D97-AF65-F5344CB8AC3E}">
+        <p14:creationId xmlns:p14="http://schemas.microsoft.com/office/powerpoint/2010/main" val="1215390057"/>
+      </p:ext>
+    </p:extLst>
+  </p:cSld>
+  <p:clrMapOvr>
+    <a:masterClrMapping/>
+  </p:clrMapOvr>
+</p:sld>
+</file>
+
+<file path=ppt/slides/slide5.xml><?xml version="1.0" encoding="utf-8"?>
+<p:sld xmlns:a="http://schemas.openxmlformats.org/drawingml/2006/main" xmlns:r="http://schemas.openxmlformats.org/officeDocument/2006/relationships" xmlns:p="http://schemas.openxmlformats.org/presentationml/2006/main">
+  <p:cSld>
+    <p:spTree>
+      <p:nvGrpSpPr>
+        <p:cNvPr id="1" name=""/>
+        <p:cNvGrpSpPr/>
+        <p:nvPr/>
+      </p:nvGrpSpPr>
+      <p:grpSpPr>
+        <a:xfrm>
+          <a:off x="0" y="0"/>
+          <a:ext cx="0" cy="0"/>
+          <a:chOff x="0" y="0"/>
+          <a:chExt cx="0" cy="0"/>
+        </a:xfrm>
+      </p:grpSpPr>
+      <p:grpSp>
+        <p:nvGrpSpPr>
+          <p:cNvPr id="14" name="Group 13">
+            <a:extLst>
+              <a:ext uri="{FF2B5EF4-FFF2-40B4-BE49-F238E27FC236}">
+                <a16:creationId xmlns:a16="http://schemas.microsoft.com/office/drawing/2014/main" id="{3D6D8ADF-D99C-40F6-B210-76CD44D9BC45}"/>
+              </a:ext>
+            </a:extLst>
+          </p:cNvPr>
+          <p:cNvGrpSpPr/>
+          <p:nvPr/>
+        </p:nvGrpSpPr>
+        <p:grpSpPr>
+          <a:xfrm>
+            <a:off x="2459664" y="1130301"/>
+            <a:ext cx="7052991" cy="3749912"/>
+            <a:chOff x="2459664" y="1130301"/>
+            <a:chExt cx="7052991" cy="3749912"/>
+          </a:xfrm>
+        </p:grpSpPr>
+        <p:pic>
+          <p:nvPicPr>
+            <p:cNvPr id="6" name="Picture 5">
+              <a:extLst>
+                <a:ext uri="{FF2B5EF4-FFF2-40B4-BE49-F238E27FC236}">
+                  <a16:creationId xmlns:a16="http://schemas.microsoft.com/office/drawing/2014/main" id="{C6DB1565-9EB0-4F33-83CC-0FB862F8B560}"/>
+                </a:ext>
+              </a:extLst>
+            </p:cNvPr>
+            <p:cNvPicPr>
+              <a:picLocks noChangeAspect="1"/>
+            </p:cNvPicPr>
+            <p:nvPr/>
+          </p:nvPicPr>
+          <p:blipFill>
+            <a:blip r:embed="rId2"/>
+            <a:stretch>
+              <a:fillRect/>
+            </a:stretch>
+          </p:blipFill>
+          <p:spPr>
+            <a:xfrm>
+              <a:off x="2459664" y="2563281"/>
+              <a:ext cx="7052991" cy="1696681"/>
+            </a:xfrm>
+            <a:prstGeom prst="rect">
+              <a:avLst/>
+            </a:prstGeom>
+            <a:ln>
+              <a:solidFill>
+                <a:schemeClr val="tx1"/>
+              </a:solidFill>
+            </a:ln>
+          </p:spPr>
+        </p:pic>
+        <p:sp>
+          <p:nvSpPr>
+            <p:cNvPr id="9" name="Rectangle 8">
+              <a:extLst>
+                <a:ext uri="{FF2B5EF4-FFF2-40B4-BE49-F238E27FC236}">
+                  <a16:creationId xmlns:a16="http://schemas.microsoft.com/office/drawing/2014/main" id="{512CAA30-E53F-4D08-80A8-668A920B0CB7}"/>
+                </a:ext>
+              </a:extLst>
+            </p:cNvPr>
+            <p:cNvSpPr/>
+            <p:nvPr/>
+          </p:nvSpPr>
+          <p:spPr>
+            <a:xfrm>
+              <a:off x="4177262" y="1130301"/>
+              <a:ext cx="1754232" cy="1390002"/>
+            </a:xfrm>
+            <a:prstGeom prst="rect">
+              <a:avLst/>
+            </a:prstGeom>
+          </p:spPr>
+          <p:style>
+            <a:lnRef idx="1">
+              <a:schemeClr val="accent5"/>
+            </a:lnRef>
+            <a:fillRef idx="2">
+              <a:schemeClr val="accent5"/>
+            </a:fillRef>
+            <a:effectRef idx="1">
+              <a:schemeClr val="accent5"/>
+            </a:effectRef>
+            <a:fontRef idx="minor">
+              <a:schemeClr val="dk1"/>
+            </a:fontRef>
+          </p:style>
+          <p:txBody>
+            <a:bodyPr rtlCol="0" anchor="ctr"/>
+            <a:lstStyle/>
+            <a:p>
+              <a:pPr algn="ctr"/>
+              <a:r>
+                <a:rPr lang="en-US" sz="1200" dirty="0"/>
+                <a:t> Required quality level of a job  generation methods:</a:t>
+              </a:r>
+            </a:p>
+            <a:p>
+              <a:pPr marL="228600" indent="-228600">
+                <a:buAutoNum type="arabicPeriod"/>
+              </a:pPr>
+              <a:r>
+                <a:rPr lang="en-US" sz="1200" dirty="0"/>
+                <a:t>Deterministic</a:t>
+              </a:r>
+            </a:p>
+            <a:p>
+              <a:pPr marL="228600" indent="-228600">
+                <a:buAutoNum type="arabicPeriod"/>
+              </a:pPr>
+              <a:r>
+                <a:rPr lang="en-US" sz="1200" dirty="0"/>
+                <a:t>Uniformly Random</a:t>
+              </a:r>
+            </a:p>
+            <a:p>
+              <a:pPr marL="228600" indent="-228600">
+                <a:buAutoNum type="arabicPeriod"/>
+              </a:pPr>
+              <a:r>
+                <a:rPr lang="en-US" sz="1200" dirty="0"/>
+                <a:t>Custom</a:t>
+              </a:r>
+            </a:p>
+          </p:txBody>
+        </p:sp>
+        <p:sp>
+          <p:nvSpPr>
+            <p:cNvPr id="10" name="Rectangle 9">
+              <a:extLst>
+                <a:ext uri="{FF2B5EF4-FFF2-40B4-BE49-F238E27FC236}">
+                  <a16:creationId xmlns:a16="http://schemas.microsoft.com/office/drawing/2014/main" id="{02AA9E41-DB11-4F07-A104-3E5D03E8F920}"/>
+                </a:ext>
+              </a:extLst>
+            </p:cNvPr>
+            <p:cNvSpPr/>
+            <p:nvPr/>
+          </p:nvSpPr>
+          <p:spPr>
+            <a:xfrm>
+              <a:off x="6017144" y="1876274"/>
+              <a:ext cx="1551084" cy="630542"/>
+            </a:xfrm>
+            <a:prstGeom prst="rect">
+              <a:avLst/>
+            </a:prstGeom>
+          </p:spPr>
+          <p:style>
+            <a:lnRef idx="1">
+              <a:schemeClr val="accent5"/>
+            </a:lnRef>
+            <a:fillRef idx="2">
+              <a:schemeClr val="accent5"/>
+            </a:fillRef>
+            <a:effectRef idx="1">
+              <a:schemeClr val="accent5"/>
+            </a:effectRef>
+            <a:fontRef idx="minor">
+              <a:schemeClr val="dk1"/>
+            </a:fontRef>
+          </p:style>
+          <p:txBody>
+            <a:bodyPr rtlCol="0" anchor="ctr"/>
+            <a:lstStyle/>
+            <a:p>
+              <a:pPr algn="ctr"/>
+              <a:r>
+                <a:rPr lang="en-US" sz="1200" dirty="0"/>
+                <a:t>Parameters of the required quality level generation method</a:t>
+              </a:r>
+            </a:p>
+          </p:txBody>
+        </p:sp>
+        <p:sp>
+          <p:nvSpPr>
+            <p:cNvPr id="11" name="Rectangle 10">
+              <a:extLst>
+                <a:ext uri="{FF2B5EF4-FFF2-40B4-BE49-F238E27FC236}">
+                  <a16:creationId xmlns:a16="http://schemas.microsoft.com/office/drawing/2014/main" id="{B5DE48A5-A5BB-461A-8F6B-BD946A4B817E}"/>
+                </a:ext>
+              </a:extLst>
+            </p:cNvPr>
+            <p:cNvSpPr/>
+            <p:nvPr/>
+          </p:nvSpPr>
+          <p:spPr>
+            <a:xfrm>
+              <a:off x="7653877" y="1876274"/>
+              <a:ext cx="1551084" cy="637186"/>
+            </a:xfrm>
+            <a:prstGeom prst="rect">
+              <a:avLst/>
+            </a:prstGeom>
+          </p:spPr>
+          <p:style>
+            <a:lnRef idx="1">
+              <a:schemeClr val="accent5"/>
+            </a:lnRef>
+            <a:fillRef idx="2">
+              <a:schemeClr val="accent5"/>
+            </a:fillRef>
+            <a:effectRef idx="1">
+              <a:schemeClr val="accent5"/>
+            </a:effectRef>
+            <a:fontRef idx="minor">
+              <a:schemeClr val="dk1"/>
+            </a:fontRef>
+          </p:style>
+          <p:txBody>
+            <a:bodyPr rtlCol="0" anchor="ctr"/>
+            <a:lstStyle/>
+            <a:p>
+              <a:pPr algn="ctr"/>
+              <a:r>
+                <a:rPr lang="en-US" sz="1200" dirty="0"/>
+                <a:t>Re-generate a set of quality level values</a:t>
+              </a:r>
+            </a:p>
+          </p:txBody>
+        </p:sp>
+        <p:sp>
+          <p:nvSpPr>
+            <p:cNvPr id="12" name="Rectangle 11">
+              <a:extLst>
+                <a:ext uri="{FF2B5EF4-FFF2-40B4-BE49-F238E27FC236}">
+                  <a16:creationId xmlns:a16="http://schemas.microsoft.com/office/drawing/2014/main" id="{BC13979E-07EF-4847-9FAF-6691297714AB}"/>
+                </a:ext>
+              </a:extLst>
+            </p:cNvPr>
+            <p:cNvSpPr/>
+            <p:nvPr/>
+          </p:nvSpPr>
+          <p:spPr>
+            <a:xfrm>
+              <a:off x="7420184" y="4316627"/>
+              <a:ext cx="2046036" cy="563586"/>
+            </a:xfrm>
+            <a:prstGeom prst="rect">
+              <a:avLst/>
+            </a:prstGeom>
+          </p:spPr>
+          <p:style>
+            <a:lnRef idx="1">
+              <a:schemeClr val="accent5"/>
+            </a:lnRef>
+            <a:fillRef idx="2">
+              <a:schemeClr val="accent5"/>
+            </a:fillRef>
+            <a:effectRef idx="1">
+              <a:schemeClr val="accent5"/>
+            </a:effectRef>
+            <a:fontRef idx="minor">
+              <a:schemeClr val="dk1"/>
+            </a:fontRef>
+          </p:style>
+          <p:txBody>
+            <a:bodyPr rtlCol="0" anchor="ctr"/>
+            <a:lstStyle/>
+            <a:p>
+              <a:pPr algn="ctr"/>
+              <a:r>
+                <a:rPr lang="en-US" sz="1200" dirty="0"/>
+                <a:t>Update the custom entered quality levels from the table</a:t>
+              </a:r>
+            </a:p>
+          </p:txBody>
+        </p:sp>
+        <p:sp>
+          <p:nvSpPr>
+            <p:cNvPr id="13" name="Rectangle 12">
+              <a:extLst>
+                <a:ext uri="{FF2B5EF4-FFF2-40B4-BE49-F238E27FC236}">
+                  <a16:creationId xmlns:a16="http://schemas.microsoft.com/office/drawing/2014/main" id="{6E3C8282-062B-464A-87C0-8B162619510A}"/>
+                </a:ext>
+              </a:extLst>
+            </p:cNvPr>
+            <p:cNvSpPr/>
+            <p:nvPr/>
+          </p:nvSpPr>
+          <p:spPr>
+            <a:xfrm>
+              <a:off x="2547801" y="4316627"/>
+              <a:ext cx="2046036" cy="563586"/>
+            </a:xfrm>
+            <a:prstGeom prst="rect">
+              <a:avLst/>
+            </a:prstGeom>
+          </p:spPr>
+          <p:style>
+            <a:lnRef idx="1">
+              <a:schemeClr val="accent5"/>
+            </a:lnRef>
+            <a:fillRef idx="2">
+              <a:schemeClr val="accent5"/>
+            </a:fillRef>
+            <a:effectRef idx="1">
+              <a:schemeClr val="accent5"/>
+            </a:effectRef>
+            <a:fontRef idx="minor">
+              <a:schemeClr val="dk1"/>
+            </a:fontRef>
+          </p:style>
+          <p:txBody>
+            <a:bodyPr rtlCol="0" anchor="ctr"/>
+            <a:lstStyle/>
+            <a:p>
+              <a:pPr algn="ctr"/>
+              <a:r>
+                <a:rPr lang="en-US" sz="1200" dirty="0"/>
+                <a:t>Generated quality level values (Also editable)</a:t>
+              </a:r>
+            </a:p>
+          </p:txBody>
+        </p:sp>
+        <p:cxnSp>
+          <p:nvCxnSpPr>
+            <p:cNvPr id="17" name="Straight Arrow Connector 16">
+              <a:extLst>
+                <a:ext uri="{FF2B5EF4-FFF2-40B4-BE49-F238E27FC236}">
+                  <a16:creationId xmlns:a16="http://schemas.microsoft.com/office/drawing/2014/main" id="{F5FF0392-7EB8-4F9B-A843-78F4656AE476}"/>
+                </a:ext>
+              </a:extLst>
+            </p:cNvPr>
+            <p:cNvCxnSpPr>
+              <a:cxnSpLocks/>
+              <a:stCxn id="9" idx="2"/>
+            </p:cNvCxnSpPr>
+            <p:nvPr/>
+          </p:nvCxnSpPr>
+          <p:spPr>
+            <a:xfrm>
+              <a:off x="5054378" y="2520303"/>
+              <a:ext cx="0" cy="388360"/>
+            </a:xfrm>
+            <a:prstGeom prst="straightConnector1">
+              <a:avLst/>
+            </a:prstGeom>
+            <a:ln>
+              <a:tailEnd type="triangle"/>
+            </a:ln>
+          </p:spPr>
+          <p:style>
+            <a:lnRef idx="1">
+              <a:schemeClr val="accent1"/>
+            </a:lnRef>
+            <a:fillRef idx="0">
+              <a:schemeClr val="accent1"/>
+            </a:fillRef>
+            <a:effectRef idx="0">
+              <a:schemeClr val="accent1"/>
+            </a:effectRef>
+            <a:fontRef idx="minor">
+              <a:schemeClr val="tx1"/>
+            </a:fontRef>
+          </p:style>
+        </p:cxnSp>
+        <p:sp>
+          <p:nvSpPr>
+            <p:cNvPr id="19" name="Left Brace 18">
+              <a:extLst>
+                <a:ext uri="{FF2B5EF4-FFF2-40B4-BE49-F238E27FC236}">
+                  <a16:creationId xmlns:a16="http://schemas.microsoft.com/office/drawing/2014/main" id="{5484C231-EB51-49E6-8F2F-B239DF405DD6}"/>
+                </a:ext>
+              </a:extLst>
+            </p:cNvPr>
+            <p:cNvSpPr/>
+            <p:nvPr/>
+          </p:nvSpPr>
+          <p:spPr>
+            <a:xfrm rot="5400000">
+              <a:off x="6745669" y="2055123"/>
+              <a:ext cx="94032" cy="1613049"/>
+            </a:xfrm>
+            <a:prstGeom prst="leftBrace">
+              <a:avLst/>
+            </a:prstGeom>
+          </p:spPr>
+          <p:style>
+            <a:lnRef idx="3">
+              <a:schemeClr val="accent1"/>
+            </a:lnRef>
+            <a:fillRef idx="0">
+              <a:schemeClr val="accent1"/>
+            </a:fillRef>
+            <a:effectRef idx="2">
+              <a:schemeClr val="accent1"/>
+            </a:effectRef>
+            <a:fontRef idx="minor">
+              <a:schemeClr val="tx1"/>
+            </a:fontRef>
+          </p:style>
+          <p:txBody>
+            <a:bodyPr rtlCol="0" anchor="ctr"/>
+            <a:lstStyle/>
+            <a:p>
+              <a:pPr algn="ctr"/>
+              <a:endParaRPr lang="en-US"/>
+            </a:p>
+          </p:txBody>
+        </p:sp>
+        <p:cxnSp>
+          <p:nvCxnSpPr>
+            <p:cNvPr id="21" name="Straight Arrow Connector 20">
+              <a:extLst>
+                <a:ext uri="{FF2B5EF4-FFF2-40B4-BE49-F238E27FC236}">
+                  <a16:creationId xmlns:a16="http://schemas.microsoft.com/office/drawing/2014/main" id="{6BCFAB89-0694-4819-8AF3-09EE8CF9C47E}"/>
+                </a:ext>
+              </a:extLst>
+            </p:cNvPr>
+            <p:cNvCxnSpPr>
+              <a:cxnSpLocks/>
+              <a:stCxn id="10" idx="2"/>
+              <a:endCxn id="19" idx="1"/>
+            </p:cNvCxnSpPr>
+            <p:nvPr/>
+          </p:nvCxnSpPr>
+          <p:spPr>
+            <a:xfrm flipH="1">
+              <a:off x="6792685" y="2506816"/>
+              <a:ext cx="1" cy="307816"/>
+            </a:xfrm>
+            <a:prstGeom prst="straightConnector1">
+              <a:avLst/>
+            </a:prstGeom>
+            <a:ln>
+              <a:tailEnd type="triangle"/>
+            </a:ln>
+          </p:spPr>
+          <p:style>
+            <a:lnRef idx="1">
+              <a:schemeClr val="accent1"/>
+            </a:lnRef>
+            <a:fillRef idx="0">
+              <a:schemeClr val="accent1"/>
+            </a:fillRef>
+            <a:effectRef idx="0">
+              <a:schemeClr val="accent1"/>
+            </a:effectRef>
+            <a:fontRef idx="minor">
+              <a:schemeClr val="tx1"/>
+            </a:fontRef>
+          </p:style>
+        </p:cxnSp>
+        <p:cxnSp>
+          <p:nvCxnSpPr>
+            <p:cNvPr id="25" name="Straight Arrow Connector 24">
+              <a:extLst>
+                <a:ext uri="{FF2B5EF4-FFF2-40B4-BE49-F238E27FC236}">
+                  <a16:creationId xmlns:a16="http://schemas.microsoft.com/office/drawing/2014/main" id="{CB242B08-2FB9-4F59-9931-145D1A9B7742}"/>
+                </a:ext>
+              </a:extLst>
+            </p:cNvPr>
+            <p:cNvCxnSpPr>
+              <a:cxnSpLocks/>
+              <a:stCxn id="11" idx="2"/>
+            </p:cNvCxnSpPr>
+            <p:nvPr/>
+          </p:nvCxnSpPr>
+          <p:spPr>
+            <a:xfrm flipH="1">
+              <a:off x="8204200" y="2513460"/>
+              <a:ext cx="225219" cy="395203"/>
+            </a:xfrm>
+            <a:prstGeom prst="straightConnector1">
+              <a:avLst/>
+            </a:prstGeom>
+            <a:ln>
+              <a:tailEnd type="triangle"/>
+            </a:ln>
+          </p:spPr>
+          <p:style>
+            <a:lnRef idx="1">
+              <a:schemeClr val="accent1"/>
+            </a:lnRef>
+            <a:fillRef idx="0">
+              <a:schemeClr val="accent1"/>
+            </a:fillRef>
+            <a:effectRef idx="0">
+              <a:schemeClr val="accent1"/>
+            </a:effectRef>
+            <a:fontRef idx="minor">
+              <a:schemeClr val="tx1"/>
+            </a:fontRef>
+          </p:style>
+        </p:cxnSp>
+        <p:cxnSp>
+          <p:nvCxnSpPr>
+            <p:cNvPr id="27" name="Straight Arrow Connector 26">
+              <a:extLst>
+                <a:ext uri="{FF2B5EF4-FFF2-40B4-BE49-F238E27FC236}">
+                  <a16:creationId xmlns:a16="http://schemas.microsoft.com/office/drawing/2014/main" id="{0771A231-245F-42C6-99F3-6646360041B4}"/>
+                </a:ext>
+              </a:extLst>
+            </p:cNvPr>
+            <p:cNvCxnSpPr>
+              <a:stCxn id="12" idx="0"/>
+            </p:cNvCxnSpPr>
+            <p:nvPr/>
+          </p:nvCxnSpPr>
+          <p:spPr>
+            <a:xfrm flipV="1">
+              <a:off x="8443202" y="3182983"/>
+              <a:ext cx="467844" cy="1133644"/>
+            </a:xfrm>
+            <a:prstGeom prst="straightConnector1">
+              <a:avLst/>
+            </a:prstGeom>
+            <a:ln>
+              <a:tailEnd type="triangle"/>
+            </a:ln>
+          </p:spPr>
+          <p:style>
+            <a:lnRef idx="1">
+              <a:schemeClr val="accent1"/>
+            </a:lnRef>
+            <a:fillRef idx="0">
+              <a:schemeClr val="accent1"/>
+            </a:fillRef>
+            <a:effectRef idx="0">
+              <a:schemeClr val="accent1"/>
+            </a:effectRef>
+            <a:fontRef idx="minor">
+              <a:schemeClr val="tx1"/>
+            </a:fontRef>
+          </p:style>
+        </p:cxnSp>
+        <p:cxnSp>
+          <p:nvCxnSpPr>
+            <p:cNvPr id="29" name="Connector: Elbow 28">
+              <a:extLst>
+                <a:ext uri="{FF2B5EF4-FFF2-40B4-BE49-F238E27FC236}">
+                  <a16:creationId xmlns:a16="http://schemas.microsoft.com/office/drawing/2014/main" id="{0DAF5981-CD22-4F07-838C-D917074B6ECF}"/>
+                </a:ext>
+              </a:extLst>
+            </p:cNvPr>
+            <p:cNvCxnSpPr>
+              <a:cxnSpLocks/>
+            </p:cNvCxnSpPr>
+            <p:nvPr/>
+          </p:nvCxnSpPr>
+          <p:spPr>
+            <a:xfrm flipV="1">
+              <a:off x="4593837" y="4165600"/>
+              <a:ext cx="1543528" cy="432821"/>
+            </a:xfrm>
+            <a:prstGeom prst="bentConnector3">
+              <a:avLst>
+                <a:gd name="adj1" fmla="val 100190"/>
+              </a:avLst>
+            </a:prstGeom>
+            <a:ln>
+              <a:tailEnd type="triangle"/>
+            </a:ln>
+          </p:spPr>
+          <p:style>
+            <a:lnRef idx="1">
+              <a:schemeClr val="accent1"/>
+            </a:lnRef>
+            <a:fillRef idx="0">
+              <a:schemeClr val="accent1"/>
+            </a:fillRef>
+            <a:effectRef idx="0">
+              <a:schemeClr val="accent1"/>
+            </a:effectRef>
+            <a:fontRef idx="minor">
+              <a:schemeClr val="tx1"/>
+            </a:fontRef>
+          </p:style>
+        </p:cxnSp>
+      </p:grpSp>
+    </p:spTree>
+    <p:extLst>
+      <p:ext uri="{BB962C8B-B14F-4D97-AF65-F5344CB8AC3E}">
+        <p14:creationId xmlns:p14="http://schemas.microsoft.com/office/powerpoint/2010/main" val="3298363862"/>
+      </p:ext>
+    </p:extLst>
+  </p:cSld>
+  <p:clrMapOvr>
+    <a:masterClrMapping/>
+  </p:clrMapOvr>
+</p:sld>
+</file>
+
+<file path=ppt/slides/slide6.xml><?xml version="1.0" encoding="utf-8"?>
+<p:sld xmlns:a="http://schemas.openxmlformats.org/drawingml/2006/main" xmlns:r="http://schemas.openxmlformats.org/officeDocument/2006/relationships" xmlns:p="http://schemas.openxmlformats.org/presentationml/2006/main">
+  <p:cSld>
+    <p:spTree>
+      <p:nvGrpSpPr>
+        <p:cNvPr id="1" name=""/>
+        <p:cNvGrpSpPr/>
+        <p:nvPr/>
+      </p:nvGrpSpPr>
+      <p:grpSpPr>
+        <a:xfrm>
+          <a:off x="0" y="0"/>
+          <a:ext cx="0" cy="0"/>
+          <a:chOff x="0" y="0"/>
+          <a:chExt cx="0" cy="0"/>
+        </a:xfrm>
+      </p:grpSpPr>
+      <p:grpSp>
+        <p:nvGrpSpPr>
+          <p:cNvPr id="26" name="Group 25">
+            <a:extLst>
+              <a:ext uri="{FF2B5EF4-FFF2-40B4-BE49-F238E27FC236}">
+                <a16:creationId xmlns:a16="http://schemas.microsoft.com/office/drawing/2014/main" id="{F11F79EE-5B8F-4C6D-A214-44A7E8D3E860}"/>
+              </a:ext>
+            </a:extLst>
+          </p:cNvPr>
+          <p:cNvGrpSpPr/>
+          <p:nvPr/>
+        </p:nvGrpSpPr>
+        <p:grpSpPr>
+          <a:xfrm>
+            <a:off x="1849073" y="501690"/>
+            <a:ext cx="8236716" cy="4120716"/>
+            <a:chOff x="1849073" y="501690"/>
+            <a:chExt cx="8236716" cy="4120716"/>
+          </a:xfrm>
+        </p:grpSpPr>
+        <p:pic>
+          <p:nvPicPr>
+            <p:cNvPr id="4" name="Picture 3">
+              <a:extLst>
+                <a:ext uri="{FF2B5EF4-FFF2-40B4-BE49-F238E27FC236}">
+                  <a16:creationId xmlns:a16="http://schemas.microsoft.com/office/drawing/2014/main" id="{78F06129-DE29-4FD7-A3DB-86B3B79B75DE}"/>
+                </a:ext>
+              </a:extLst>
+            </p:cNvPr>
+            <p:cNvPicPr>
+              <a:picLocks noChangeAspect="1"/>
+            </p:cNvPicPr>
+            <p:nvPr/>
+          </p:nvPicPr>
+          <p:blipFill>
+            <a:blip r:embed="rId2"/>
+            <a:stretch>
+              <a:fillRect/>
+            </a:stretch>
+          </p:blipFill>
+          <p:spPr>
+            <a:xfrm>
+              <a:off x="1849074" y="2028826"/>
+              <a:ext cx="8236715" cy="1942282"/>
+            </a:xfrm>
+            <a:prstGeom prst="rect">
+              <a:avLst/>
+            </a:prstGeom>
+            <a:ln>
+              <a:solidFill>
+                <a:schemeClr val="tx1"/>
+              </a:solidFill>
+            </a:ln>
+          </p:spPr>
+        </p:pic>
+        <p:sp>
+          <p:nvSpPr>
+            <p:cNvPr id="6" name="Rectangle 5">
+              <a:extLst>
+                <a:ext uri="{FF2B5EF4-FFF2-40B4-BE49-F238E27FC236}">
+                  <a16:creationId xmlns:a16="http://schemas.microsoft.com/office/drawing/2014/main" id="{A34128BC-BE83-4848-BAB1-47A8D1DE9035}"/>
+                </a:ext>
+              </a:extLst>
+            </p:cNvPr>
+            <p:cNvSpPr/>
+            <p:nvPr/>
+          </p:nvSpPr>
+          <p:spPr>
+            <a:xfrm>
+              <a:off x="1849073" y="501690"/>
+              <a:ext cx="2046035" cy="1432184"/>
+            </a:xfrm>
+            <a:prstGeom prst="rect">
+              <a:avLst/>
+            </a:prstGeom>
+          </p:spPr>
+          <p:style>
+            <a:lnRef idx="1">
+              <a:schemeClr val="accent5"/>
+            </a:lnRef>
+            <a:fillRef idx="2">
+              <a:schemeClr val="accent5"/>
+            </a:fillRef>
+            <a:effectRef idx="1">
+              <a:schemeClr val="accent5"/>
+            </a:effectRef>
+            <a:fontRef idx="minor">
+              <a:schemeClr val="dk1"/>
+            </a:fontRef>
+          </p:style>
+          <p:txBody>
+            <a:bodyPr rtlCol="0" anchor="ctr"/>
+            <a:lstStyle/>
+            <a:p>
+              <a:pPr algn="ctr"/>
+              <a:r>
+                <a:rPr lang="en-US" sz="1200" dirty="0"/>
+                <a:t> Control input generation methods:</a:t>
+              </a:r>
+            </a:p>
+            <a:p>
+              <a:pPr marL="228600" indent="-228600">
+                <a:buAutoNum type="arabicPeriod"/>
+              </a:pPr>
+              <a:r>
+                <a:rPr lang="en-US" sz="1200" dirty="0"/>
+                <a:t>Optimal control (By Forward Algorithm)</a:t>
+              </a:r>
+            </a:p>
+            <a:p>
+              <a:pPr marL="228600" indent="-228600">
+                <a:buAutoNum type="arabicPeriod"/>
+              </a:pPr>
+              <a:r>
+                <a:rPr lang="en-US" sz="1200" dirty="0"/>
+                <a:t>Deterministic</a:t>
+              </a:r>
+            </a:p>
+            <a:p>
+              <a:pPr marL="228600" indent="-228600">
+                <a:buAutoNum type="arabicPeriod"/>
+              </a:pPr>
+              <a:r>
+                <a:rPr lang="en-US" sz="1200" dirty="0"/>
+                <a:t>Uniformly Random</a:t>
+              </a:r>
+            </a:p>
+            <a:p>
+              <a:pPr marL="228600" indent="-228600">
+                <a:buAutoNum type="arabicPeriod"/>
+              </a:pPr>
+              <a:r>
+                <a:rPr lang="en-US" sz="1200" dirty="0"/>
+                <a:t>Custom</a:t>
+              </a:r>
+            </a:p>
+          </p:txBody>
+        </p:sp>
+        <p:sp>
+          <p:nvSpPr>
+            <p:cNvPr id="7" name="Rectangle 6">
+              <a:extLst>
+                <a:ext uri="{FF2B5EF4-FFF2-40B4-BE49-F238E27FC236}">
+                  <a16:creationId xmlns:a16="http://schemas.microsoft.com/office/drawing/2014/main" id="{B4F47413-8776-42E5-A7AC-DE53CD1BE3E8}"/>
+                </a:ext>
+              </a:extLst>
+            </p:cNvPr>
+            <p:cNvSpPr/>
+            <p:nvPr/>
+          </p:nvSpPr>
+          <p:spPr>
+            <a:xfrm>
+              <a:off x="4118612" y="1303928"/>
+              <a:ext cx="1551084" cy="630542"/>
+            </a:xfrm>
+            <a:prstGeom prst="rect">
+              <a:avLst/>
+            </a:prstGeom>
+          </p:spPr>
+          <p:style>
+            <a:lnRef idx="1">
+              <a:schemeClr val="accent5"/>
+            </a:lnRef>
+            <a:fillRef idx="2">
+              <a:schemeClr val="accent5"/>
+            </a:fillRef>
+            <a:effectRef idx="1">
+              <a:schemeClr val="accent5"/>
+            </a:effectRef>
+            <a:fontRef idx="minor">
+              <a:schemeClr val="dk1"/>
+            </a:fontRef>
+          </p:style>
+          <p:txBody>
+            <a:bodyPr rtlCol="0" anchor="ctr"/>
+            <a:lstStyle/>
+            <a:p>
+              <a:pPr algn="ctr"/>
+              <a:r>
+                <a:rPr lang="en-US" sz="1200" dirty="0"/>
+                <a:t>Parameters of the arrival time generation method</a:t>
+              </a:r>
+            </a:p>
+          </p:txBody>
+        </p:sp>
+        <p:sp>
+          <p:nvSpPr>
+            <p:cNvPr id="8" name="Rectangle 7">
+              <a:extLst>
+                <a:ext uri="{FF2B5EF4-FFF2-40B4-BE49-F238E27FC236}">
+                  <a16:creationId xmlns:a16="http://schemas.microsoft.com/office/drawing/2014/main" id="{5CF4083B-2951-460C-BC54-98F7AACF7A51}"/>
+                </a:ext>
+              </a:extLst>
+            </p:cNvPr>
+            <p:cNvSpPr/>
+            <p:nvPr/>
+          </p:nvSpPr>
+          <p:spPr>
+            <a:xfrm>
+              <a:off x="5938888" y="1303928"/>
+              <a:ext cx="1551084" cy="637186"/>
+            </a:xfrm>
+            <a:prstGeom prst="rect">
+              <a:avLst/>
+            </a:prstGeom>
+          </p:spPr>
+          <p:style>
+            <a:lnRef idx="1">
+              <a:schemeClr val="accent5"/>
+            </a:lnRef>
+            <a:fillRef idx="2">
+              <a:schemeClr val="accent5"/>
+            </a:fillRef>
+            <a:effectRef idx="1">
+              <a:schemeClr val="accent5"/>
+            </a:effectRef>
+            <a:fontRef idx="minor">
+              <a:schemeClr val="dk1"/>
+            </a:fontRef>
+          </p:style>
+          <p:txBody>
+            <a:bodyPr rtlCol="0" anchor="ctr"/>
+            <a:lstStyle/>
+            <a:p>
+              <a:pPr algn="ctr"/>
+              <a:r>
+                <a:rPr lang="en-US" sz="1200" dirty="0"/>
+                <a:t>Re-generate/compute a set of control input values</a:t>
+              </a:r>
+            </a:p>
+          </p:txBody>
+        </p:sp>
+        <p:sp>
+          <p:nvSpPr>
+            <p:cNvPr id="9" name="Rectangle 8">
+              <a:extLst>
+                <a:ext uri="{FF2B5EF4-FFF2-40B4-BE49-F238E27FC236}">
+                  <a16:creationId xmlns:a16="http://schemas.microsoft.com/office/drawing/2014/main" id="{4BC8EEEE-A999-4B08-8451-C509183419D9}"/>
+                </a:ext>
+              </a:extLst>
+            </p:cNvPr>
+            <p:cNvSpPr/>
+            <p:nvPr/>
+          </p:nvSpPr>
+          <p:spPr>
+            <a:xfrm>
+              <a:off x="5691412" y="4058820"/>
+              <a:ext cx="2046036" cy="563586"/>
+            </a:xfrm>
+            <a:prstGeom prst="rect">
+              <a:avLst/>
+            </a:prstGeom>
+          </p:spPr>
+          <p:style>
+            <a:lnRef idx="1">
+              <a:schemeClr val="accent5"/>
+            </a:lnRef>
+            <a:fillRef idx="2">
+              <a:schemeClr val="accent5"/>
+            </a:fillRef>
+            <a:effectRef idx="1">
+              <a:schemeClr val="accent5"/>
+            </a:effectRef>
+            <a:fontRef idx="minor">
+              <a:schemeClr val="dk1"/>
+            </a:fontRef>
+          </p:style>
+          <p:txBody>
+            <a:bodyPr rtlCol="0" anchor="ctr"/>
+            <a:lstStyle/>
+            <a:p>
+              <a:pPr algn="ctr"/>
+              <a:r>
+                <a:rPr lang="en-US" sz="1200" dirty="0"/>
+                <a:t>Update the custom entered control input values</a:t>
+              </a:r>
+            </a:p>
+          </p:txBody>
+        </p:sp>
+        <p:sp>
+          <p:nvSpPr>
+            <p:cNvPr id="10" name="Rectangle 9">
+              <a:extLst>
+                <a:ext uri="{FF2B5EF4-FFF2-40B4-BE49-F238E27FC236}">
+                  <a16:creationId xmlns:a16="http://schemas.microsoft.com/office/drawing/2014/main" id="{D32C2A56-4C30-4F1E-A3AC-85D022A95702}"/>
+                </a:ext>
+              </a:extLst>
+            </p:cNvPr>
+            <p:cNvSpPr/>
+            <p:nvPr/>
+          </p:nvSpPr>
+          <p:spPr>
+            <a:xfrm>
+              <a:off x="1849074" y="4058820"/>
+              <a:ext cx="2046036" cy="563586"/>
+            </a:xfrm>
+            <a:prstGeom prst="rect">
+              <a:avLst/>
+            </a:prstGeom>
+          </p:spPr>
+          <p:style>
+            <a:lnRef idx="1">
+              <a:schemeClr val="accent5"/>
+            </a:lnRef>
+            <a:fillRef idx="2">
+              <a:schemeClr val="accent5"/>
+            </a:fillRef>
+            <a:effectRef idx="1">
+              <a:schemeClr val="accent5"/>
+            </a:effectRef>
+            <a:fontRef idx="minor">
+              <a:schemeClr val="dk1"/>
+            </a:fontRef>
+          </p:style>
+          <p:txBody>
+            <a:bodyPr rtlCol="0" anchor="ctr"/>
+            <a:lstStyle/>
+            <a:p>
+              <a:pPr algn="ctr"/>
+              <a:r>
+                <a:rPr lang="en-US" sz="1200" dirty="0"/>
+                <a:t>Generated control input values (Also editable)</a:t>
+              </a:r>
+            </a:p>
+          </p:txBody>
+        </p:sp>
+        <p:sp>
+          <p:nvSpPr>
+            <p:cNvPr id="11" name="Left Brace 10">
+              <a:extLst>
+                <a:ext uri="{FF2B5EF4-FFF2-40B4-BE49-F238E27FC236}">
+                  <a16:creationId xmlns:a16="http://schemas.microsoft.com/office/drawing/2014/main" id="{6C089F9C-2F38-41F8-B74A-0B4C68B46A0E}"/>
+                </a:ext>
+              </a:extLst>
+            </p:cNvPr>
+            <p:cNvSpPr/>
+            <p:nvPr/>
+          </p:nvSpPr>
+          <p:spPr>
+            <a:xfrm rot="5400000">
+              <a:off x="4841145" y="1480068"/>
+              <a:ext cx="106019" cy="1813139"/>
+            </a:xfrm>
+            <a:prstGeom prst="leftBrace">
+              <a:avLst/>
+            </a:prstGeom>
+          </p:spPr>
+          <p:style>
+            <a:lnRef idx="3">
+              <a:schemeClr val="accent1"/>
+            </a:lnRef>
+            <a:fillRef idx="0">
+              <a:schemeClr val="accent1"/>
+            </a:fillRef>
+            <a:effectRef idx="2">
+              <a:schemeClr val="accent1"/>
+            </a:effectRef>
+            <a:fontRef idx="minor">
+              <a:schemeClr val="tx1"/>
+            </a:fontRef>
+          </p:style>
+          <p:txBody>
+            <a:bodyPr rtlCol="0" anchor="ctr"/>
+            <a:lstStyle/>
+            <a:p>
+              <a:pPr algn="ctr"/>
+              <a:endParaRPr lang="en-US"/>
+            </a:p>
+          </p:txBody>
+        </p:sp>
+        <p:cxnSp>
+          <p:nvCxnSpPr>
+            <p:cNvPr id="12" name="Straight Arrow Connector 11">
+              <a:extLst>
+                <a:ext uri="{FF2B5EF4-FFF2-40B4-BE49-F238E27FC236}">
+                  <a16:creationId xmlns:a16="http://schemas.microsoft.com/office/drawing/2014/main" id="{DDF94ED3-E8F2-4B8A-9CD6-47626829B8F5}"/>
+                </a:ext>
+              </a:extLst>
+            </p:cNvPr>
+            <p:cNvCxnSpPr>
+              <a:cxnSpLocks/>
+              <a:stCxn id="7" idx="2"/>
+              <a:endCxn id="11" idx="1"/>
+            </p:cNvCxnSpPr>
+            <p:nvPr/>
+          </p:nvCxnSpPr>
+          <p:spPr>
+            <a:xfrm>
+              <a:off x="4894154" y="1934470"/>
+              <a:ext cx="0" cy="399158"/>
+            </a:xfrm>
+            <a:prstGeom prst="straightConnector1">
+              <a:avLst/>
+            </a:prstGeom>
+            <a:ln>
+              <a:tailEnd type="triangle"/>
+            </a:ln>
+          </p:spPr>
+          <p:style>
+            <a:lnRef idx="1">
+              <a:schemeClr val="accent1"/>
+            </a:lnRef>
+            <a:fillRef idx="0">
+              <a:schemeClr val="accent1"/>
+            </a:fillRef>
+            <a:effectRef idx="0">
+              <a:schemeClr val="accent1"/>
+            </a:effectRef>
+            <a:fontRef idx="minor">
+              <a:schemeClr val="tx1"/>
+            </a:fontRef>
+          </p:style>
+        </p:cxnSp>
+        <p:cxnSp>
+          <p:nvCxnSpPr>
+            <p:cNvPr id="16" name="Straight Arrow Connector 15">
+              <a:extLst>
+                <a:ext uri="{FF2B5EF4-FFF2-40B4-BE49-F238E27FC236}">
+                  <a16:creationId xmlns:a16="http://schemas.microsoft.com/office/drawing/2014/main" id="{40F75B94-85B1-4BAC-A1B1-9CF4A972147F}"/>
+                </a:ext>
+              </a:extLst>
+            </p:cNvPr>
+            <p:cNvCxnSpPr>
+              <a:cxnSpLocks/>
+              <a:stCxn id="6" idx="2"/>
+            </p:cNvCxnSpPr>
+            <p:nvPr/>
+          </p:nvCxnSpPr>
+          <p:spPr>
+            <a:xfrm flipH="1">
+              <a:off x="2795179" y="1933874"/>
+              <a:ext cx="76912" cy="742651"/>
+            </a:xfrm>
+            <a:prstGeom prst="straightConnector1">
+              <a:avLst/>
+            </a:prstGeom>
+            <a:ln>
+              <a:tailEnd type="triangle"/>
+            </a:ln>
+          </p:spPr>
+          <p:style>
+            <a:lnRef idx="1">
+              <a:schemeClr val="accent1"/>
+            </a:lnRef>
+            <a:fillRef idx="0">
+              <a:schemeClr val="accent1"/>
+            </a:fillRef>
+            <a:effectRef idx="0">
+              <a:schemeClr val="accent1"/>
+            </a:effectRef>
+            <a:fontRef idx="minor">
+              <a:schemeClr val="tx1"/>
+            </a:fontRef>
+          </p:style>
+        </p:cxnSp>
+        <p:sp>
+          <p:nvSpPr>
+            <p:cNvPr id="17" name="Rectangle 16">
+              <a:extLst>
+                <a:ext uri="{FF2B5EF4-FFF2-40B4-BE49-F238E27FC236}">
+                  <a16:creationId xmlns:a16="http://schemas.microsoft.com/office/drawing/2014/main" id="{977C097E-6027-4B23-8357-6733E70A8FFB}"/>
+                </a:ext>
+              </a:extLst>
+            </p:cNvPr>
+            <p:cNvSpPr/>
+            <p:nvPr/>
+          </p:nvSpPr>
+          <p:spPr>
+            <a:xfrm>
+              <a:off x="8039753" y="4058820"/>
+              <a:ext cx="2046036" cy="563586"/>
+            </a:xfrm>
+            <a:prstGeom prst="rect">
+              <a:avLst/>
+            </a:prstGeom>
+          </p:spPr>
+          <p:style>
+            <a:lnRef idx="1">
+              <a:schemeClr val="accent5"/>
+            </a:lnRef>
+            <a:fillRef idx="2">
+              <a:schemeClr val="accent5"/>
+            </a:fillRef>
+            <a:effectRef idx="1">
+              <a:schemeClr val="accent5"/>
+            </a:effectRef>
+            <a:fontRef idx="minor">
+              <a:schemeClr val="dk1"/>
+            </a:fontRef>
+          </p:style>
+          <p:txBody>
+            <a:bodyPr rtlCol="0" anchor="ctr"/>
+            <a:lstStyle/>
+            <a:p>
+              <a:pPr algn="ctr"/>
+              <a:r>
+                <a:rPr lang="en-US" sz="1200" dirty="0"/>
+                <a:t>The objective function value achieved by the control input values generated</a:t>
+              </a:r>
+            </a:p>
+          </p:txBody>
+        </p:sp>
+        <p:cxnSp>
+          <p:nvCxnSpPr>
+            <p:cNvPr id="19" name="Straight Arrow Connector 18">
+              <a:extLst>
+                <a:ext uri="{FF2B5EF4-FFF2-40B4-BE49-F238E27FC236}">
+                  <a16:creationId xmlns:a16="http://schemas.microsoft.com/office/drawing/2014/main" id="{6DFAE208-CE30-4B14-9EBE-D1CDF9B1DF3A}"/>
+                </a:ext>
+              </a:extLst>
+            </p:cNvPr>
+            <p:cNvCxnSpPr>
+              <a:stCxn id="17" idx="0"/>
+            </p:cNvCxnSpPr>
+            <p:nvPr/>
+          </p:nvCxnSpPr>
+          <p:spPr>
+            <a:xfrm flipV="1">
+              <a:off x="9062771" y="2924175"/>
+              <a:ext cx="0" cy="1134645"/>
+            </a:xfrm>
+            <a:prstGeom prst="straightConnector1">
+              <a:avLst/>
+            </a:prstGeom>
+            <a:ln>
+              <a:tailEnd type="triangle"/>
+            </a:ln>
+          </p:spPr>
+          <p:style>
+            <a:lnRef idx="1">
+              <a:schemeClr val="accent1"/>
+            </a:lnRef>
+            <a:fillRef idx="0">
+              <a:schemeClr val="accent1"/>
+            </a:fillRef>
+            <a:effectRef idx="0">
+              <a:schemeClr val="accent1"/>
+            </a:effectRef>
+            <a:fontRef idx="minor">
+              <a:schemeClr val="tx1"/>
+            </a:fontRef>
+          </p:style>
+        </p:cxnSp>
+        <p:cxnSp>
+          <p:nvCxnSpPr>
+            <p:cNvPr id="21" name="Straight Arrow Connector 20">
+              <a:extLst>
+                <a:ext uri="{FF2B5EF4-FFF2-40B4-BE49-F238E27FC236}">
+                  <a16:creationId xmlns:a16="http://schemas.microsoft.com/office/drawing/2014/main" id="{BA52BD32-C51F-4103-8966-364BFF92677E}"/>
+                </a:ext>
+              </a:extLst>
+            </p:cNvPr>
+            <p:cNvCxnSpPr>
+              <a:stCxn id="9" idx="0"/>
+            </p:cNvCxnSpPr>
+            <p:nvPr/>
+          </p:nvCxnSpPr>
+          <p:spPr>
+            <a:xfrm flipH="1" flipV="1">
+              <a:off x="6343650" y="2999967"/>
+              <a:ext cx="370780" cy="1058853"/>
+            </a:xfrm>
+            <a:prstGeom prst="straightConnector1">
+              <a:avLst/>
+            </a:prstGeom>
+            <a:ln>
+              <a:tailEnd type="triangle"/>
+            </a:ln>
+          </p:spPr>
+          <p:style>
+            <a:lnRef idx="1">
+              <a:schemeClr val="accent1"/>
+            </a:lnRef>
+            <a:fillRef idx="0">
+              <a:schemeClr val="accent1"/>
+            </a:fillRef>
+            <a:effectRef idx="0">
+              <a:schemeClr val="accent1"/>
+            </a:effectRef>
+            <a:fontRef idx="minor">
+              <a:schemeClr val="tx1"/>
+            </a:fontRef>
+          </p:style>
+        </p:cxnSp>
+        <p:cxnSp>
+          <p:nvCxnSpPr>
+            <p:cNvPr id="23" name="Connector: Elbow 22">
+              <a:extLst>
+                <a:ext uri="{FF2B5EF4-FFF2-40B4-BE49-F238E27FC236}">
+                  <a16:creationId xmlns:a16="http://schemas.microsoft.com/office/drawing/2014/main" id="{CA5C6427-4EFF-4968-AC31-3C6617175FFE}"/>
+                </a:ext>
+              </a:extLst>
+            </p:cNvPr>
+            <p:cNvCxnSpPr>
+              <a:stCxn id="10" idx="3"/>
+            </p:cNvCxnSpPr>
+            <p:nvPr/>
+          </p:nvCxnSpPr>
+          <p:spPr>
+            <a:xfrm flipV="1">
+              <a:off x="3895110" y="3876675"/>
+              <a:ext cx="1493997" cy="463938"/>
+            </a:xfrm>
+            <a:prstGeom prst="bentConnector3">
+              <a:avLst>
+                <a:gd name="adj1" fmla="val 101004"/>
+              </a:avLst>
+            </a:prstGeom>
+            <a:ln>
+              <a:tailEnd type="triangle"/>
+            </a:ln>
+          </p:spPr>
+          <p:style>
+            <a:lnRef idx="1">
+              <a:schemeClr val="accent1"/>
+            </a:lnRef>
+            <a:fillRef idx="0">
+              <a:schemeClr val="accent1"/>
+            </a:fillRef>
+            <a:effectRef idx="0">
+              <a:schemeClr val="accent1"/>
+            </a:effectRef>
+            <a:fontRef idx="minor">
+              <a:schemeClr val="tx1"/>
+            </a:fontRef>
+          </p:style>
+        </p:cxnSp>
+      </p:grpSp>
+    </p:spTree>
+    <p:extLst>
+      <p:ext uri="{BB962C8B-B14F-4D97-AF65-F5344CB8AC3E}">
+        <p14:creationId xmlns:p14="http://schemas.microsoft.com/office/powerpoint/2010/main" val="836822805"/>
+      </p:ext>
+    </p:extLst>
+  </p:cSld>
+  <p:clrMapOvr>
+    <a:masterClrMapping/>
+  </p:clrMapOvr>
+</p:sld>
+</file>
+
+<file path=ppt/slides/slide7.xml><?xml version="1.0" encoding="utf-8"?>
+<p:sld xmlns:a="http://schemas.openxmlformats.org/drawingml/2006/main" xmlns:r="http://schemas.openxmlformats.org/officeDocument/2006/relationships" xmlns:p="http://schemas.openxmlformats.org/presentationml/2006/main">
+  <p:cSld>
+    <p:spTree>
+      <p:nvGrpSpPr>
+        <p:cNvPr id="1" name=""/>
+        <p:cNvGrpSpPr/>
+        <p:nvPr/>
+      </p:nvGrpSpPr>
+      <p:grpSpPr>
+        <a:xfrm>
+          <a:off x="0" y="0"/>
+          <a:ext cx="0" cy="0"/>
+          <a:chOff x="0" y="0"/>
+          <a:chExt cx="0" cy="0"/>
+        </a:xfrm>
+      </p:grpSpPr>
+      <p:grpSp>
+        <p:nvGrpSpPr>
+          <p:cNvPr id="53" name="Group 52">
+            <a:extLst>
+              <a:ext uri="{FF2B5EF4-FFF2-40B4-BE49-F238E27FC236}">
+                <a16:creationId xmlns:a16="http://schemas.microsoft.com/office/drawing/2014/main" id="{525D7E7A-A4EB-4C68-BE10-3081B422C98C}"/>
+              </a:ext>
+            </a:extLst>
+          </p:cNvPr>
+          <p:cNvGrpSpPr/>
+          <p:nvPr/>
+        </p:nvGrpSpPr>
+        <p:grpSpPr>
+          <a:xfrm>
+            <a:off x="1877044" y="802273"/>
+            <a:ext cx="8638557" cy="5693678"/>
+            <a:chOff x="1877044" y="802273"/>
+            <a:chExt cx="8638557" cy="5693678"/>
+          </a:xfrm>
+        </p:grpSpPr>
+        <p:grpSp>
+          <p:nvGrpSpPr>
+            <p:cNvPr id="48" name="Group 47">
+              <a:extLst>
+                <a:ext uri="{FF2B5EF4-FFF2-40B4-BE49-F238E27FC236}">
+                  <a16:creationId xmlns:a16="http://schemas.microsoft.com/office/drawing/2014/main" id="{2281B5EE-9C06-4BFA-B70F-E00AE994293D}"/>
+                </a:ext>
+              </a:extLst>
+            </p:cNvPr>
+            <p:cNvGrpSpPr/>
+            <p:nvPr/>
+          </p:nvGrpSpPr>
+          <p:grpSpPr>
+            <a:xfrm>
+              <a:off x="1877044" y="802273"/>
+              <a:ext cx="8638557" cy="5693678"/>
+              <a:chOff x="1877044" y="802273"/>
+              <a:chExt cx="8638557" cy="5693678"/>
+            </a:xfrm>
+          </p:grpSpPr>
+          <p:sp>
+            <p:nvSpPr>
+              <p:cNvPr id="6" name="Rectangle 5">
+                <a:extLst>
+                  <a:ext uri="{FF2B5EF4-FFF2-40B4-BE49-F238E27FC236}">
+                    <a16:creationId xmlns:a16="http://schemas.microsoft.com/office/drawing/2014/main" id="{E0B12940-21B9-4E7E-BEA3-514CD716D930}"/>
+                  </a:ext>
+                </a:extLst>
+              </p:cNvPr>
+              <p:cNvSpPr/>
+              <p:nvPr/>
+            </p:nvSpPr>
+            <p:spPr>
+              <a:xfrm>
+                <a:off x="1957319" y="1303928"/>
+                <a:ext cx="1776481" cy="776648"/>
+              </a:xfrm>
+              <a:prstGeom prst="rect">
+                <a:avLst/>
+              </a:prstGeom>
+            </p:spPr>
+            <p:style>
+              <a:lnRef idx="1">
+                <a:schemeClr val="accent5"/>
+              </a:lnRef>
+              <a:fillRef idx="2">
+                <a:schemeClr val="accent5"/>
+              </a:fillRef>
+              <a:effectRef idx="1">
+                <a:schemeClr val="accent5"/>
+              </a:effectRef>
+              <a:fontRef idx="minor">
+                <a:schemeClr val="dk1"/>
+              </a:fontRef>
+            </p:style>
+            <p:txBody>
+              <a:bodyPr rtlCol="0" anchor="ctr"/>
+              <a:lstStyle/>
+              <a:p>
+                <a:pPr algn="ctr"/>
+                <a:r>
+                  <a:rPr lang="en-US" sz="1200" dirty="0"/>
+                  <a:t> Selection dropdown menu to select one of the already added simulations</a:t>
+                </a:r>
+              </a:p>
+            </p:txBody>
+          </p:sp>
+          <p:sp>
+            <p:nvSpPr>
+              <p:cNvPr id="7" name="Rectangle 6">
+                <a:extLst>
+                  <a:ext uri="{FF2B5EF4-FFF2-40B4-BE49-F238E27FC236}">
+                    <a16:creationId xmlns:a16="http://schemas.microsoft.com/office/drawing/2014/main" id="{85EBEEAC-75C6-4583-89E0-F90F23D0202A}"/>
+                  </a:ext>
+                </a:extLst>
+              </p:cNvPr>
+              <p:cNvSpPr/>
+              <p:nvPr/>
+            </p:nvSpPr>
+            <p:spPr>
+              <a:xfrm>
+                <a:off x="4209339" y="802273"/>
+                <a:ext cx="3076414" cy="565637"/>
+              </a:xfrm>
+              <a:prstGeom prst="rect">
+                <a:avLst/>
+              </a:prstGeom>
+            </p:spPr>
+            <p:style>
+              <a:lnRef idx="1">
+                <a:schemeClr val="accent5"/>
+              </a:lnRef>
+              <a:fillRef idx="2">
+                <a:schemeClr val="accent5"/>
+              </a:fillRef>
+              <a:effectRef idx="1">
+                <a:schemeClr val="accent5"/>
+              </a:effectRef>
+              <a:fontRef idx="minor">
+                <a:schemeClr val="dk1"/>
+              </a:fontRef>
+            </p:style>
+            <p:txBody>
+              <a:bodyPr rtlCol="0" anchor="ctr"/>
+              <a:lstStyle/>
+              <a:p>
+                <a:pPr algn="ctr"/>
+                <a:r>
+                  <a:rPr lang="en-US" sz="1200" dirty="0"/>
+                  <a:t>Add the current simulation parameters to the memory (For graphing and real-time simulation purposes)</a:t>
+                </a:r>
+              </a:p>
+            </p:txBody>
+          </p:sp>
+          <p:sp>
+            <p:nvSpPr>
+              <p:cNvPr id="8" name="Rectangle 7">
+                <a:extLst>
+                  <a:ext uri="{FF2B5EF4-FFF2-40B4-BE49-F238E27FC236}">
+                    <a16:creationId xmlns:a16="http://schemas.microsoft.com/office/drawing/2014/main" id="{B6501A6D-C2BB-4B37-8B81-11FF4591BD60}"/>
+                  </a:ext>
+                </a:extLst>
+              </p:cNvPr>
+              <p:cNvSpPr/>
+              <p:nvPr/>
+            </p:nvSpPr>
+            <p:spPr>
+              <a:xfrm>
+                <a:off x="5734669" y="1507373"/>
+                <a:ext cx="1551084" cy="565637"/>
+              </a:xfrm>
+              <a:prstGeom prst="rect">
+                <a:avLst/>
+              </a:prstGeom>
+            </p:spPr>
+            <p:style>
+              <a:lnRef idx="1">
+                <a:schemeClr val="accent5"/>
+              </a:lnRef>
+              <a:fillRef idx="2">
+                <a:schemeClr val="accent5"/>
+              </a:fillRef>
+              <a:effectRef idx="1">
+                <a:schemeClr val="accent5"/>
+              </a:effectRef>
+              <a:fontRef idx="minor">
+                <a:schemeClr val="dk1"/>
+              </a:fontRef>
+            </p:style>
+            <p:txBody>
+              <a:bodyPr rtlCol="0" anchor="ctr"/>
+              <a:lstStyle/>
+              <a:p>
+                <a:pPr algn="ctr"/>
+                <a:r>
+                  <a:rPr lang="en-US" sz="1200" dirty="0"/>
+                  <a:t>Objective function value of the selected simulation</a:t>
+                </a:r>
+              </a:p>
+            </p:txBody>
+          </p:sp>
+          <p:sp>
+            <p:nvSpPr>
+              <p:cNvPr id="10" name="Rectangle 9">
+                <a:extLst>
+                  <a:ext uri="{FF2B5EF4-FFF2-40B4-BE49-F238E27FC236}">
+                    <a16:creationId xmlns:a16="http://schemas.microsoft.com/office/drawing/2014/main" id="{DBF61E38-9796-430E-A091-257C7DCDCEA4}"/>
+                  </a:ext>
+                </a:extLst>
+              </p:cNvPr>
+              <p:cNvSpPr/>
+              <p:nvPr/>
+            </p:nvSpPr>
+            <p:spPr>
+              <a:xfrm>
+                <a:off x="4209339" y="1507373"/>
+                <a:ext cx="1396363" cy="565637"/>
+              </a:xfrm>
+              <a:prstGeom prst="rect">
+                <a:avLst/>
+              </a:prstGeom>
+            </p:spPr>
+            <p:style>
+              <a:lnRef idx="1">
+                <a:schemeClr val="accent5"/>
+              </a:lnRef>
+              <a:fillRef idx="2">
+                <a:schemeClr val="accent5"/>
+              </a:fillRef>
+              <a:effectRef idx="1">
+                <a:schemeClr val="accent5"/>
+              </a:effectRef>
+              <a:fontRef idx="minor">
+                <a:schemeClr val="dk1"/>
+              </a:fontRef>
+            </p:style>
+            <p:txBody>
+              <a:bodyPr rtlCol="0" anchor="ctr"/>
+              <a:lstStyle/>
+              <a:p>
+                <a:pPr algn="ctr"/>
+                <a:r>
+                  <a:rPr lang="en-US" sz="1200" dirty="0"/>
+                  <a:t>Delete the data related to the selected simulation</a:t>
+                </a:r>
+              </a:p>
+            </p:txBody>
+          </p:sp>
+          <p:sp>
+            <p:nvSpPr>
+              <p:cNvPr id="11" name="Rectangle 10">
+                <a:extLst>
+                  <a:ext uri="{FF2B5EF4-FFF2-40B4-BE49-F238E27FC236}">
+                    <a16:creationId xmlns:a16="http://schemas.microsoft.com/office/drawing/2014/main" id="{4A8D9F1F-AC56-48FF-BA9C-5A634831D69B}"/>
+                  </a:ext>
+                </a:extLst>
+              </p:cNvPr>
+              <p:cNvSpPr/>
+              <p:nvPr/>
+            </p:nvSpPr>
+            <p:spPr>
+              <a:xfrm>
+                <a:off x="2719319" y="5913020"/>
+                <a:ext cx="2309881" cy="565636"/>
+              </a:xfrm>
+              <a:prstGeom prst="rect">
+                <a:avLst/>
+              </a:prstGeom>
+            </p:spPr>
+            <p:style>
+              <a:lnRef idx="1">
+                <a:schemeClr val="accent5"/>
+              </a:lnRef>
+              <a:fillRef idx="2">
+                <a:schemeClr val="accent5"/>
+              </a:fillRef>
+              <a:effectRef idx="1">
+                <a:schemeClr val="accent5"/>
+              </a:effectRef>
+              <a:fontRef idx="minor">
+                <a:schemeClr val="dk1"/>
+              </a:fontRef>
+            </p:style>
+            <p:txBody>
+              <a:bodyPr rtlCol="0" anchor="ctr"/>
+              <a:lstStyle/>
+              <a:p>
+                <a:pPr algn="ctr"/>
+                <a:r>
+                  <a:rPr lang="en-US" sz="1200" dirty="0"/>
+                  <a:t> Graph generated for each simulation: Queue Length Vs Simulation Time</a:t>
+                </a:r>
+              </a:p>
+            </p:txBody>
+          </p:sp>
+          <p:pic>
+            <p:nvPicPr>
+              <p:cNvPr id="12" name="Picture 11">
+                <a:extLst>
+                  <a:ext uri="{FF2B5EF4-FFF2-40B4-BE49-F238E27FC236}">
+                    <a16:creationId xmlns:a16="http://schemas.microsoft.com/office/drawing/2014/main" id="{A82E77E7-CEF6-489D-8012-1886C4B045B5}"/>
+                  </a:ext>
+                </a:extLst>
+              </p:cNvPr>
+              <p:cNvPicPr>
+                <a:picLocks noChangeAspect="1"/>
+              </p:cNvPicPr>
+              <p:nvPr/>
+            </p:nvPicPr>
+            <p:blipFill>
+              <a:blip r:embed="rId2"/>
+              <a:stretch>
+                <a:fillRect/>
+              </a:stretch>
+            </p:blipFill>
+            <p:spPr>
+              <a:xfrm>
+                <a:off x="1877044" y="2191451"/>
+                <a:ext cx="8638556" cy="3603128"/>
+              </a:xfrm>
+              <a:prstGeom prst="rect">
+                <a:avLst/>
+              </a:prstGeom>
+              <a:ln>
+                <a:solidFill>
+                  <a:schemeClr val="tx1"/>
+                </a:solidFill>
+              </a:ln>
+            </p:spPr>
+          </p:pic>
+          <p:sp>
+            <p:nvSpPr>
+              <p:cNvPr id="13" name="Rectangle 12">
+                <a:extLst>
+                  <a:ext uri="{FF2B5EF4-FFF2-40B4-BE49-F238E27FC236}">
+                    <a16:creationId xmlns:a16="http://schemas.microsoft.com/office/drawing/2014/main" id="{A66741B1-BB21-47DA-BA01-AB520B3D78BD}"/>
+                  </a:ext>
+                </a:extLst>
+              </p:cNvPr>
+              <p:cNvSpPr/>
+              <p:nvPr/>
+            </p:nvSpPr>
+            <p:spPr>
+              <a:xfrm>
+                <a:off x="5143896" y="5899689"/>
+                <a:ext cx="1671764" cy="565638"/>
+              </a:xfrm>
+              <a:prstGeom prst="rect">
+                <a:avLst/>
+              </a:prstGeom>
+            </p:spPr>
+            <p:style>
+              <a:lnRef idx="1">
+                <a:schemeClr val="accent5"/>
+              </a:lnRef>
+              <a:fillRef idx="2">
+                <a:schemeClr val="accent5"/>
+              </a:fillRef>
+              <a:effectRef idx="1">
+                <a:schemeClr val="accent5"/>
+              </a:effectRef>
+              <a:fontRef idx="minor">
+                <a:schemeClr val="dk1"/>
+              </a:fontRef>
+            </p:style>
+            <p:txBody>
+              <a:bodyPr rtlCol="0" anchor="ctr"/>
+              <a:lstStyle/>
+              <a:p>
+                <a:pPr algn="ctr"/>
+                <a:r>
+                  <a:rPr lang="en-US" sz="1200" dirty="0"/>
+                  <a:t>Real-time illustration of the selected simulation</a:t>
+                </a:r>
+              </a:p>
+            </p:txBody>
+          </p:sp>
+          <p:sp>
+            <p:nvSpPr>
+              <p:cNvPr id="14" name="Rectangle 13">
+                <a:extLst>
+                  <a:ext uri="{FF2B5EF4-FFF2-40B4-BE49-F238E27FC236}">
+                    <a16:creationId xmlns:a16="http://schemas.microsoft.com/office/drawing/2014/main" id="{1913A2D9-00DB-418B-B3BE-C76F928B6E05}"/>
+                  </a:ext>
+                </a:extLst>
+              </p:cNvPr>
+              <p:cNvSpPr/>
+              <p:nvPr/>
+            </p:nvSpPr>
+            <p:spPr>
+              <a:xfrm>
+                <a:off x="6930356" y="5913020"/>
+                <a:ext cx="956657" cy="565636"/>
+              </a:xfrm>
+              <a:prstGeom prst="rect">
+                <a:avLst/>
+              </a:prstGeom>
+            </p:spPr>
+            <p:style>
+              <a:lnRef idx="1">
+                <a:schemeClr val="accent5"/>
+              </a:lnRef>
+              <a:fillRef idx="2">
+                <a:schemeClr val="accent5"/>
+              </a:fillRef>
+              <a:effectRef idx="1">
+                <a:schemeClr val="accent5"/>
+              </a:effectRef>
+              <a:fontRef idx="minor">
+                <a:schemeClr val="dk1"/>
+              </a:fontRef>
+            </p:style>
+            <p:txBody>
+              <a:bodyPr rtlCol="0" anchor="ctr"/>
+              <a:lstStyle/>
+              <a:p>
+                <a:pPr algn="ctr"/>
+                <a:r>
+                  <a:rPr lang="en-US" sz="1200" dirty="0"/>
+                  <a:t>Jobs in que</a:t>
+                </a:r>
+              </a:p>
+            </p:txBody>
+          </p:sp>
+          <p:sp>
+            <p:nvSpPr>
+              <p:cNvPr id="15" name="Rectangle 14">
+                <a:extLst>
+                  <a:ext uri="{FF2B5EF4-FFF2-40B4-BE49-F238E27FC236}">
+                    <a16:creationId xmlns:a16="http://schemas.microsoft.com/office/drawing/2014/main" id="{76AF3397-486C-42AB-9E23-9D31F72F4DF3}"/>
+                  </a:ext>
+                </a:extLst>
+              </p:cNvPr>
+              <p:cNvSpPr/>
+              <p:nvPr/>
+            </p:nvSpPr>
+            <p:spPr>
+              <a:xfrm>
+                <a:off x="7941376" y="1473021"/>
+                <a:ext cx="2309881" cy="613320"/>
+              </a:xfrm>
+              <a:prstGeom prst="rect">
+                <a:avLst/>
+              </a:prstGeom>
+            </p:spPr>
+            <p:style>
+              <a:lnRef idx="1">
+                <a:schemeClr val="accent5"/>
+              </a:lnRef>
+              <a:fillRef idx="2">
+                <a:schemeClr val="accent5"/>
+              </a:fillRef>
+              <a:effectRef idx="1">
+                <a:schemeClr val="accent5"/>
+              </a:effectRef>
+              <a:fontRef idx="minor">
+                <a:schemeClr val="dk1"/>
+              </a:fontRef>
+            </p:style>
+            <p:txBody>
+              <a:bodyPr rtlCol="0" anchor="ctr"/>
+              <a:lstStyle/>
+              <a:p>
+                <a:pPr algn="ctr"/>
+                <a:r>
+                  <a:rPr lang="en-US" sz="1200" dirty="0"/>
+                  <a:t>Run / Pause / Restart / Refresh all Menu for the real-time illustration of the selected simulation</a:t>
+                </a:r>
+              </a:p>
+            </p:txBody>
+          </p:sp>
+          <mc:AlternateContent xmlns:mc="http://schemas.openxmlformats.org/markup-compatibility/2006">
+            <mc:Choice xmlns:a14="http://schemas.microsoft.com/office/drawing/2010/main" Requires="a14">
+              <p:sp>
+                <p:nvSpPr>
+                  <p:cNvPr id="16" name="Rectangle 15">
+                    <a:extLst>
+                      <a:ext uri="{FF2B5EF4-FFF2-40B4-BE49-F238E27FC236}">
+                        <a16:creationId xmlns:a16="http://schemas.microsoft.com/office/drawing/2014/main" id="{0AAD2B12-7073-4B98-95CC-CC31512116FC}"/>
+                      </a:ext>
+                    </a:extLst>
+                  </p:cNvPr>
+                  <p:cNvSpPr/>
+                  <p:nvPr/>
+                </p:nvSpPr>
+                <p:spPr>
+                  <a:xfrm>
+                    <a:off x="8001709" y="5930314"/>
+                    <a:ext cx="1314449" cy="565637"/>
+                  </a:xfrm>
+                  <a:prstGeom prst="rect">
+                    <a:avLst/>
+                  </a:prstGeom>
+                </p:spPr>
+                <p:style>
+                  <a:lnRef idx="1">
+                    <a:schemeClr val="accent5"/>
+                  </a:lnRef>
+                  <a:fillRef idx="2">
+                    <a:schemeClr val="accent5"/>
+                  </a:fillRef>
+                  <a:effectRef idx="1">
+                    <a:schemeClr val="accent5"/>
+                  </a:effectRef>
+                  <a:fontRef idx="minor">
+                    <a:schemeClr val="dk1"/>
+                  </a:fontRef>
+                </p:style>
+                <p:txBody>
+                  <a:bodyPr rtlCol="0" anchor="ctr"/>
+                  <a:lstStyle/>
+                  <a:p>
+                    <a:pPr algn="ctr"/>
+                    <a:r>
+                      <a:rPr lang="en-US" sz="1200" dirty="0"/>
+                      <a:t>Job in the server (Radius </a:t>
+                    </a:r>
+                    <a14:m>
+                      <m:oMath xmlns:m="http://schemas.openxmlformats.org/officeDocument/2006/math">
+                        <m:r>
+                          <a:rPr lang="en-US" sz="1200" b="0" i="1" smtClean="0">
+                            <a:latin typeface="Cambria Math" panose="02040503050406030204" pitchFamily="18" charset="0"/>
+                          </a:rPr>
+                          <m:t>~</m:t>
+                        </m:r>
+                      </m:oMath>
+                    </a14:m>
+                    <a:r>
+                      <a:rPr lang="en-US" sz="1200" dirty="0"/>
+                      <a:t> Physical State)</a:t>
+                    </a:r>
+                  </a:p>
+                </p:txBody>
+              </p:sp>
+            </mc:Choice>
+            <mc:Fallback>
+              <p:sp>
+                <p:nvSpPr>
+                  <p:cNvPr id="16" name="Rectangle 15">
+                    <a:extLst>
+                      <a:ext uri="{FF2B5EF4-FFF2-40B4-BE49-F238E27FC236}">
+                        <a16:creationId xmlns:a16="http://schemas.microsoft.com/office/drawing/2014/main" id="{0AAD2B12-7073-4B98-95CC-CC31512116FC}"/>
+                      </a:ext>
+                    </a:extLst>
+                  </p:cNvPr>
+                  <p:cNvSpPr>
+                    <a:spLocks noRot="1" noChangeAspect="1" noMove="1" noResize="1" noEditPoints="1" noAdjustHandles="1" noChangeArrowheads="1" noChangeShapeType="1" noTextEdit="1"/>
+                  </p:cNvSpPr>
+                  <p:nvPr/>
+                </p:nvSpPr>
+                <p:spPr>
+                  <a:xfrm>
+                    <a:off x="8001709" y="5930314"/>
+                    <a:ext cx="1314449" cy="565637"/>
+                  </a:xfrm>
+                  <a:prstGeom prst="rect">
+                    <a:avLst/>
+                  </a:prstGeom>
+                  <a:blipFill>
+                    <a:blip r:embed="rId3"/>
+                    <a:stretch>
+                      <a:fillRect l="-463" t="-7447" r="-1389" b="-13830"/>
+                    </a:stretch>
+                  </a:blipFill>
+                </p:spPr>
+                <p:txBody>
+                  <a:bodyPr/>
+                  <a:lstStyle/>
+                  <a:p>
+                    <a:r>
+                      <a:rPr lang="en-US">
+                        <a:noFill/>
+                      </a:rPr>
+                      <a:t> </a:t>
+                    </a:r>
+                  </a:p>
+                </p:txBody>
+              </p:sp>
+            </mc:Fallback>
+          </mc:AlternateContent>
+          <mc:AlternateContent xmlns:mc="http://schemas.openxmlformats.org/markup-compatibility/2006">
+            <mc:Choice xmlns:a14="http://schemas.microsoft.com/office/drawing/2010/main" Requires="a14">
+              <p:sp>
+                <p:nvSpPr>
+                  <p:cNvPr id="17" name="Rectangle 16">
+                    <a:extLst>
+                      <a:ext uri="{FF2B5EF4-FFF2-40B4-BE49-F238E27FC236}">
+                        <a16:creationId xmlns:a16="http://schemas.microsoft.com/office/drawing/2014/main" id="{D671ACBC-D3B6-4849-A8A0-BED33421DB99}"/>
+                      </a:ext>
+                    </a:extLst>
+                  </p:cNvPr>
+                  <p:cNvSpPr/>
+                  <p:nvPr/>
+                </p:nvSpPr>
+                <p:spPr>
+                  <a:xfrm>
+                    <a:off x="9430855" y="5930314"/>
+                    <a:ext cx="1084746" cy="565637"/>
+                  </a:xfrm>
+                  <a:prstGeom prst="rect">
+                    <a:avLst/>
+                  </a:prstGeom>
+                </p:spPr>
+                <p:style>
+                  <a:lnRef idx="1">
+                    <a:schemeClr val="accent5"/>
+                  </a:lnRef>
+                  <a:fillRef idx="2">
+                    <a:schemeClr val="accent5"/>
+                  </a:fillRef>
+                  <a:effectRef idx="1">
+                    <a:schemeClr val="accent5"/>
+                  </a:effectRef>
+                  <a:fontRef idx="minor">
+                    <a:schemeClr val="dk1"/>
+                  </a:fontRef>
+                </p:style>
+                <p:txBody>
+                  <a:bodyPr rtlCol="0" anchor="ctr"/>
+                  <a:lstStyle/>
+                  <a:p>
+                    <a:pPr algn="ctr"/>
+                    <a:r>
+                      <a:rPr lang="en-US" sz="1200" dirty="0"/>
+                      <a:t>Required quality level </a:t>
+                    </a:r>
+                    <a14:m>
+                      <m:oMath xmlns:m="http://schemas.openxmlformats.org/officeDocument/2006/math">
+                        <m:r>
+                          <a:rPr lang="en-US" sz="1200" b="0" i="1" smtClean="0">
+                            <a:latin typeface="Cambria Math" panose="02040503050406030204" pitchFamily="18" charset="0"/>
+                          </a:rPr>
+                          <m:t>~ </m:t>
+                        </m:r>
+                      </m:oMath>
+                    </a14:m>
+                    <a:r>
+                      <a:rPr lang="en-US" sz="1200" dirty="0"/>
+                      <a:t>Radius</a:t>
+                    </a:r>
+                  </a:p>
+                </p:txBody>
+              </p:sp>
+            </mc:Choice>
+            <mc:Fallback>
+              <p:sp>
+                <p:nvSpPr>
+                  <p:cNvPr id="17" name="Rectangle 16">
+                    <a:extLst>
+                      <a:ext uri="{FF2B5EF4-FFF2-40B4-BE49-F238E27FC236}">
+                        <a16:creationId xmlns:a16="http://schemas.microsoft.com/office/drawing/2014/main" id="{D671ACBC-D3B6-4849-A8A0-BED33421DB99}"/>
+                      </a:ext>
+                    </a:extLst>
+                  </p:cNvPr>
+                  <p:cNvSpPr>
+                    <a:spLocks noRot="1" noChangeAspect="1" noMove="1" noResize="1" noEditPoints="1" noAdjustHandles="1" noChangeArrowheads="1" noChangeShapeType="1" noTextEdit="1"/>
+                  </p:cNvSpPr>
+                  <p:nvPr/>
+                </p:nvSpPr>
+                <p:spPr>
+                  <a:xfrm>
+                    <a:off x="9430855" y="5930314"/>
+                    <a:ext cx="1084746" cy="565637"/>
+                  </a:xfrm>
+                  <a:prstGeom prst="rect">
+                    <a:avLst/>
+                  </a:prstGeom>
+                  <a:blipFill>
+                    <a:blip r:embed="rId4"/>
+                    <a:stretch>
+                      <a:fillRect t="-7447" b="-13830"/>
+                    </a:stretch>
+                  </a:blipFill>
+                </p:spPr>
+                <p:txBody>
+                  <a:bodyPr/>
+                  <a:lstStyle/>
+                  <a:p>
+                    <a:r>
+                      <a:rPr lang="en-US">
+                        <a:noFill/>
+                      </a:rPr>
+                      <a:t> </a:t>
+                    </a:r>
+                  </a:p>
+                </p:txBody>
+              </p:sp>
+            </mc:Fallback>
+          </mc:AlternateContent>
+          <p:cxnSp>
+            <p:nvCxnSpPr>
+              <p:cNvPr id="19" name="Straight Arrow Connector 18">
+                <a:extLst>
+                  <a:ext uri="{FF2B5EF4-FFF2-40B4-BE49-F238E27FC236}">
+                    <a16:creationId xmlns:a16="http://schemas.microsoft.com/office/drawing/2014/main" id="{D45DB82C-DA58-4B99-A5F4-F1ECFC1F4005}"/>
+                  </a:ext>
+                </a:extLst>
+              </p:cNvPr>
+              <p:cNvCxnSpPr>
+                <a:stCxn id="6" idx="2"/>
+              </p:cNvCxnSpPr>
+              <p:nvPr/>
+            </p:nvCxnSpPr>
+            <p:spPr>
+              <a:xfrm>
+                <a:off x="2845560" y="2080576"/>
+                <a:ext cx="11940" cy="757874"/>
+              </a:xfrm>
+              <a:prstGeom prst="straightConnector1">
+                <a:avLst/>
+              </a:prstGeom>
+              <a:ln>
+                <a:tailEnd type="triangle"/>
+              </a:ln>
+            </p:spPr>
+            <p:style>
+              <a:lnRef idx="1">
+                <a:schemeClr val="accent1"/>
+              </a:lnRef>
+              <a:fillRef idx="0">
+                <a:schemeClr val="accent1"/>
+              </a:fillRef>
+              <a:effectRef idx="0">
+                <a:schemeClr val="accent1"/>
+              </a:effectRef>
+              <a:fontRef idx="minor">
+                <a:schemeClr val="tx1"/>
+              </a:fontRef>
+            </p:style>
+          </p:cxnSp>
+          <p:cxnSp>
+            <p:nvCxnSpPr>
+              <p:cNvPr id="21" name="Connector: Elbow 20">
+                <a:extLst>
+                  <a:ext uri="{FF2B5EF4-FFF2-40B4-BE49-F238E27FC236}">
+                    <a16:creationId xmlns:a16="http://schemas.microsoft.com/office/drawing/2014/main" id="{46425A26-D7DC-443C-8E00-8A51D79FF913}"/>
+                  </a:ext>
+                </a:extLst>
+              </p:cNvPr>
+              <p:cNvCxnSpPr>
+                <a:cxnSpLocks/>
+                <a:stCxn id="7" idx="1"/>
+              </p:cNvCxnSpPr>
+              <p:nvPr/>
+            </p:nvCxnSpPr>
+            <p:spPr>
+              <a:xfrm rot="10800000" flipV="1">
+                <a:off x="3971925" y="1085092"/>
+                <a:ext cx="237414" cy="1458082"/>
+              </a:xfrm>
+              <a:prstGeom prst="bentConnector2">
+                <a:avLst/>
+              </a:prstGeom>
+              <a:ln>
+                <a:tailEnd type="triangle"/>
+              </a:ln>
+            </p:spPr>
+            <p:style>
+              <a:lnRef idx="1">
+                <a:schemeClr val="accent1"/>
+              </a:lnRef>
+              <a:fillRef idx="0">
+                <a:schemeClr val="accent1"/>
+              </a:fillRef>
+              <a:effectRef idx="0">
+                <a:schemeClr val="accent1"/>
+              </a:effectRef>
+              <a:fontRef idx="minor">
+                <a:schemeClr val="tx1"/>
+              </a:fontRef>
+            </p:style>
+          </p:cxnSp>
+          <p:cxnSp>
+            <p:nvCxnSpPr>
+              <p:cNvPr id="23" name="Straight Arrow Connector 22">
+                <a:extLst>
+                  <a:ext uri="{FF2B5EF4-FFF2-40B4-BE49-F238E27FC236}">
+                    <a16:creationId xmlns:a16="http://schemas.microsoft.com/office/drawing/2014/main" id="{17EDB73D-1FA0-428A-8FFA-C78180400CC7}"/>
+                  </a:ext>
+                </a:extLst>
+              </p:cNvPr>
+              <p:cNvCxnSpPr>
+                <a:stCxn id="10" idx="2"/>
+              </p:cNvCxnSpPr>
+              <p:nvPr/>
+            </p:nvCxnSpPr>
+            <p:spPr>
+              <a:xfrm flipH="1">
+                <a:off x="4495800" y="2073010"/>
+                <a:ext cx="411721" cy="489215"/>
+              </a:xfrm>
+              <a:prstGeom prst="straightConnector1">
+                <a:avLst/>
+              </a:prstGeom>
+              <a:ln>
+                <a:tailEnd type="triangle"/>
+              </a:ln>
+            </p:spPr>
+            <p:style>
+              <a:lnRef idx="1">
+                <a:schemeClr val="accent1"/>
+              </a:lnRef>
+              <a:fillRef idx="0">
+                <a:schemeClr val="accent1"/>
+              </a:fillRef>
+              <a:effectRef idx="0">
+                <a:schemeClr val="accent1"/>
+              </a:effectRef>
+              <a:fontRef idx="minor">
+                <a:schemeClr val="tx1"/>
+              </a:fontRef>
+            </p:style>
+          </p:cxnSp>
+          <p:cxnSp>
+            <p:nvCxnSpPr>
+              <p:cNvPr id="25" name="Straight Arrow Connector 24">
+                <a:extLst>
+                  <a:ext uri="{FF2B5EF4-FFF2-40B4-BE49-F238E27FC236}">
+                    <a16:creationId xmlns:a16="http://schemas.microsoft.com/office/drawing/2014/main" id="{B9A19947-8263-430F-B797-2C069884FCBC}"/>
+                  </a:ext>
+                </a:extLst>
+              </p:cNvPr>
+              <p:cNvCxnSpPr>
+                <a:stCxn id="8" idx="2"/>
+              </p:cNvCxnSpPr>
+              <p:nvPr/>
+            </p:nvCxnSpPr>
+            <p:spPr>
+              <a:xfrm flipH="1">
+                <a:off x="6419850" y="2073010"/>
+                <a:ext cx="90361" cy="689240"/>
+              </a:xfrm>
+              <a:prstGeom prst="straightConnector1">
+                <a:avLst/>
+              </a:prstGeom>
+              <a:ln>
+                <a:tailEnd type="triangle"/>
+              </a:ln>
+            </p:spPr>
+            <p:style>
+              <a:lnRef idx="1">
+                <a:schemeClr val="accent1"/>
+              </a:lnRef>
+              <a:fillRef idx="0">
+                <a:schemeClr val="accent1"/>
+              </a:fillRef>
+              <a:effectRef idx="0">
+                <a:schemeClr val="accent1"/>
+              </a:effectRef>
+              <a:fontRef idx="minor">
+                <a:schemeClr val="tx1"/>
+              </a:fontRef>
+            </p:style>
+          </p:cxnSp>
+          <p:sp>
+            <p:nvSpPr>
+              <p:cNvPr id="26" name="Left Brace 25">
+                <a:extLst>
+                  <a:ext uri="{FF2B5EF4-FFF2-40B4-BE49-F238E27FC236}">
+                    <a16:creationId xmlns:a16="http://schemas.microsoft.com/office/drawing/2014/main" id="{4917985C-26C3-405B-91A3-8DAEFE6A04BD}"/>
+                  </a:ext>
+                </a:extLst>
+              </p:cNvPr>
+              <p:cNvSpPr/>
+              <p:nvPr/>
+            </p:nvSpPr>
+            <p:spPr>
+              <a:xfrm rot="5400000">
+                <a:off x="9104552" y="1611071"/>
+                <a:ext cx="169255" cy="1766761"/>
+              </a:xfrm>
+              <a:prstGeom prst="leftBrace">
+                <a:avLst/>
+              </a:prstGeom>
+            </p:spPr>
+            <p:style>
+              <a:lnRef idx="3">
+                <a:schemeClr val="accent1"/>
+              </a:lnRef>
+              <a:fillRef idx="0">
+                <a:schemeClr val="accent1"/>
+              </a:fillRef>
+              <a:effectRef idx="2">
+                <a:schemeClr val="accent1"/>
+              </a:effectRef>
+              <a:fontRef idx="minor">
+                <a:schemeClr val="tx1"/>
+              </a:fontRef>
+            </p:style>
+            <p:txBody>
+              <a:bodyPr rtlCol="0" anchor="ctr"/>
+              <a:lstStyle/>
+              <a:p>
+                <a:pPr algn="ctr"/>
+                <a:endParaRPr lang="en-US"/>
+              </a:p>
+            </p:txBody>
+          </p:sp>
+          <p:cxnSp>
+            <p:nvCxnSpPr>
+              <p:cNvPr id="28" name="Straight Arrow Connector 27">
+                <a:extLst>
+                  <a:ext uri="{FF2B5EF4-FFF2-40B4-BE49-F238E27FC236}">
+                    <a16:creationId xmlns:a16="http://schemas.microsoft.com/office/drawing/2014/main" id="{4C767F3F-376B-44F1-AA27-1580B88AE08F}"/>
+                  </a:ext>
+                </a:extLst>
+              </p:cNvPr>
+              <p:cNvCxnSpPr>
+                <a:cxnSpLocks/>
+                <a:stCxn id="26" idx="1"/>
+                <a:endCxn id="15" idx="2"/>
+              </p:cNvCxnSpPr>
+              <p:nvPr/>
+            </p:nvCxnSpPr>
+            <p:spPr>
+              <a:xfrm flipH="1" flipV="1">
+                <a:off x="9096317" y="2086341"/>
+                <a:ext cx="92862" cy="323483"/>
+              </a:xfrm>
+              <a:prstGeom prst="straightConnector1">
+                <a:avLst/>
+              </a:prstGeom>
+              <a:ln>
+                <a:tailEnd type="triangle"/>
+              </a:ln>
+            </p:spPr>
+            <p:style>
+              <a:lnRef idx="1">
+                <a:schemeClr val="accent1"/>
+              </a:lnRef>
+              <a:fillRef idx="0">
+                <a:schemeClr val="accent1"/>
+              </a:fillRef>
+              <a:effectRef idx="0">
+                <a:schemeClr val="accent1"/>
+              </a:effectRef>
+              <a:fontRef idx="minor">
+                <a:schemeClr val="tx1"/>
+              </a:fontRef>
+            </p:style>
+          </p:cxnSp>
+          <p:cxnSp>
+            <p:nvCxnSpPr>
+              <p:cNvPr id="36" name="Straight Arrow Connector 35">
+                <a:extLst>
+                  <a:ext uri="{FF2B5EF4-FFF2-40B4-BE49-F238E27FC236}">
+                    <a16:creationId xmlns:a16="http://schemas.microsoft.com/office/drawing/2014/main" id="{6A0B6094-ED97-4723-BAC8-3AC1C4B03C35}"/>
+                  </a:ext>
+                </a:extLst>
+              </p:cNvPr>
+              <p:cNvCxnSpPr>
+                <a:stCxn id="11" idx="0"/>
+              </p:cNvCxnSpPr>
+              <p:nvPr/>
+            </p:nvCxnSpPr>
+            <p:spPr>
+              <a:xfrm flipV="1">
+                <a:off x="3874260" y="5686425"/>
+                <a:ext cx="2415" cy="226595"/>
+              </a:xfrm>
+              <a:prstGeom prst="straightConnector1">
+                <a:avLst/>
+              </a:prstGeom>
+              <a:ln>
+                <a:tailEnd type="triangle"/>
+              </a:ln>
+            </p:spPr>
+            <p:style>
+              <a:lnRef idx="1">
+                <a:schemeClr val="accent1"/>
+              </a:lnRef>
+              <a:fillRef idx="0">
+                <a:schemeClr val="accent1"/>
+              </a:fillRef>
+              <a:effectRef idx="0">
+                <a:schemeClr val="accent1"/>
+              </a:effectRef>
+              <a:fontRef idx="minor">
+                <a:schemeClr val="tx1"/>
+              </a:fontRef>
+            </p:style>
+          </p:cxnSp>
+          <p:cxnSp>
+            <p:nvCxnSpPr>
+              <p:cNvPr id="38" name="Straight Arrow Connector 37">
+                <a:extLst>
+                  <a:ext uri="{FF2B5EF4-FFF2-40B4-BE49-F238E27FC236}">
+                    <a16:creationId xmlns:a16="http://schemas.microsoft.com/office/drawing/2014/main" id="{B6347EB5-CE38-4CF0-A2B7-424D14163D4D}"/>
+                  </a:ext>
+                </a:extLst>
+              </p:cNvPr>
+              <p:cNvCxnSpPr>
+                <a:stCxn id="13" idx="0"/>
+              </p:cNvCxnSpPr>
+              <p:nvPr/>
+            </p:nvCxnSpPr>
+            <p:spPr>
+              <a:xfrm flipV="1">
+                <a:off x="5979778" y="4867275"/>
+                <a:ext cx="1497347" cy="1032414"/>
+              </a:xfrm>
+              <a:prstGeom prst="straightConnector1">
+                <a:avLst/>
+              </a:prstGeom>
+              <a:ln>
+                <a:tailEnd type="triangle"/>
+              </a:ln>
+            </p:spPr>
+            <p:style>
+              <a:lnRef idx="1">
+                <a:schemeClr val="accent1"/>
+              </a:lnRef>
+              <a:fillRef idx="0">
+                <a:schemeClr val="accent1"/>
+              </a:fillRef>
+              <a:effectRef idx="0">
+                <a:schemeClr val="accent1"/>
+              </a:effectRef>
+              <a:fontRef idx="minor">
+                <a:schemeClr val="tx1"/>
+              </a:fontRef>
+            </p:style>
+          </p:cxnSp>
+          <p:cxnSp>
+            <p:nvCxnSpPr>
+              <p:cNvPr id="40" name="Straight Arrow Connector 39">
+                <a:extLst>
+                  <a:ext uri="{FF2B5EF4-FFF2-40B4-BE49-F238E27FC236}">
+                    <a16:creationId xmlns:a16="http://schemas.microsoft.com/office/drawing/2014/main" id="{2C675592-96B8-4D00-95E3-4F313875AFA5}"/>
+                  </a:ext>
+                </a:extLst>
+              </p:cNvPr>
+              <p:cNvCxnSpPr>
+                <a:stCxn id="14" idx="0"/>
+              </p:cNvCxnSpPr>
+              <p:nvPr/>
+            </p:nvCxnSpPr>
+            <p:spPr>
+              <a:xfrm flipV="1">
+                <a:off x="7408685" y="4591050"/>
+                <a:ext cx="1592440" cy="1321970"/>
+              </a:xfrm>
+              <a:prstGeom prst="straightConnector1">
+                <a:avLst/>
+              </a:prstGeom>
+              <a:ln>
+                <a:tailEnd type="triangle"/>
+              </a:ln>
+            </p:spPr>
+            <p:style>
+              <a:lnRef idx="1">
+                <a:schemeClr val="accent1"/>
+              </a:lnRef>
+              <a:fillRef idx="0">
+                <a:schemeClr val="accent1"/>
+              </a:fillRef>
+              <a:effectRef idx="0">
+                <a:schemeClr val="accent1"/>
+              </a:effectRef>
+              <a:fontRef idx="minor">
+                <a:schemeClr val="tx1"/>
+              </a:fontRef>
+            </p:style>
+          </p:cxnSp>
+          <p:cxnSp>
+            <p:nvCxnSpPr>
+              <p:cNvPr id="42" name="Straight Arrow Connector 41">
+                <a:extLst>
+                  <a:ext uri="{FF2B5EF4-FFF2-40B4-BE49-F238E27FC236}">
+                    <a16:creationId xmlns:a16="http://schemas.microsoft.com/office/drawing/2014/main" id="{ACD72A94-F9A9-4512-B8CA-D3D5344DD0A8}"/>
+                  </a:ext>
+                </a:extLst>
+              </p:cNvPr>
+              <p:cNvCxnSpPr>
+                <a:cxnSpLocks/>
+                <a:stCxn id="16" idx="0"/>
+              </p:cNvCxnSpPr>
+              <p:nvPr/>
+            </p:nvCxnSpPr>
+            <p:spPr>
+              <a:xfrm flipV="1">
+                <a:off x="8658934" y="4591050"/>
+                <a:ext cx="994654" cy="1339264"/>
+              </a:xfrm>
+              <a:prstGeom prst="straightConnector1">
+                <a:avLst/>
+              </a:prstGeom>
+              <a:ln>
+                <a:tailEnd type="triangle"/>
+              </a:ln>
+            </p:spPr>
+            <p:style>
+              <a:lnRef idx="1">
+                <a:schemeClr val="accent1"/>
+              </a:lnRef>
+              <a:fillRef idx="0">
+                <a:schemeClr val="accent1"/>
+              </a:fillRef>
+              <a:effectRef idx="0">
+                <a:schemeClr val="accent1"/>
+              </a:effectRef>
+              <a:fontRef idx="minor">
+                <a:schemeClr val="tx1"/>
+              </a:fontRef>
+            </p:style>
+          </p:cxnSp>
+          <p:cxnSp>
+            <p:nvCxnSpPr>
+              <p:cNvPr id="47" name="Straight Arrow Connector 46">
+                <a:extLst>
+                  <a:ext uri="{FF2B5EF4-FFF2-40B4-BE49-F238E27FC236}">
+                    <a16:creationId xmlns:a16="http://schemas.microsoft.com/office/drawing/2014/main" id="{ADC92B70-7E80-4A32-82B6-8E62764F6B96}"/>
+                  </a:ext>
+                </a:extLst>
+              </p:cNvPr>
+              <p:cNvCxnSpPr>
+                <a:stCxn id="17" idx="0"/>
+              </p:cNvCxnSpPr>
+              <p:nvPr/>
+            </p:nvCxnSpPr>
+            <p:spPr>
+              <a:xfrm flipH="1" flipV="1">
+                <a:off x="9758363" y="4648200"/>
+                <a:ext cx="214865" cy="1282114"/>
+              </a:xfrm>
+              <a:prstGeom prst="straightConnector1">
+                <a:avLst/>
+              </a:prstGeom>
+              <a:ln>
+                <a:tailEnd type="triangle"/>
+              </a:ln>
+            </p:spPr>
+            <p:style>
+              <a:lnRef idx="1">
+                <a:schemeClr val="accent1"/>
+              </a:lnRef>
+              <a:fillRef idx="0">
+                <a:schemeClr val="accent1"/>
+              </a:fillRef>
+              <a:effectRef idx="0">
+                <a:schemeClr val="accent1"/>
+              </a:effectRef>
+              <a:fontRef idx="minor">
+                <a:schemeClr val="tx1"/>
+              </a:fontRef>
+            </p:style>
+          </p:cxnSp>
+        </p:grpSp>
+        <p:sp>
+          <p:nvSpPr>
+            <p:cNvPr id="49" name="Rectangle 48">
+              <a:extLst>
+                <a:ext uri="{FF2B5EF4-FFF2-40B4-BE49-F238E27FC236}">
+                  <a16:creationId xmlns:a16="http://schemas.microsoft.com/office/drawing/2014/main" id="{B0BC8A1A-C503-4939-9499-8E282AAA7AC4}"/>
+                </a:ext>
+              </a:extLst>
+            </p:cNvPr>
+            <p:cNvSpPr/>
+            <p:nvPr/>
+          </p:nvSpPr>
+          <p:spPr>
+            <a:xfrm>
+              <a:off x="7941376" y="807280"/>
+              <a:ext cx="1374782" cy="565636"/>
+            </a:xfrm>
+            <a:prstGeom prst="rect">
+              <a:avLst/>
+            </a:prstGeom>
+          </p:spPr>
+          <p:style>
+            <a:lnRef idx="1">
+              <a:schemeClr val="accent5"/>
+            </a:lnRef>
+            <a:fillRef idx="2">
+              <a:schemeClr val="accent5"/>
+            </a:fillRef>
+            <a:effectRef idx="1">
+              <a:schemeClr val="accent5"/>
+            </a:effectRef>
+            <a:fontRef idx="minor">
+              <a:schemeClr val="dk1"/>
+            </a:fontRef>
+          </p:style>
+          <p:txBody>
+            <a:bodyPr rtlCol="0" anchor="ctr"/>
+            <a:lstStyle/>
+            <a:p>
+              <a:pPr algn="ctr"/>
+              <a:r>
+                <a:rPr lang="en-US" sz="1200" dirty="0"/>
+                <a:t>Time resolution of the real-time illustration</a:t>
+              </a:r>
+            </a:p>
+          </p:txBody>
+        </p:sp>
+        <p:cxnSp>
+          <p:nvCxnSpPr>
+            <p:cNvPr id="51" name="Connector: Elbow 50">
+              <a:extLst>
+                <a:ext uri="{FF2B5EF4-FFF2-40B4-BE49-F238E27FC236}">
+                  <a16:creationId xmlns:a16="http://schemas.microsoft.com/office/drawing/2014/main" id="{8C8EB5D0-D35C-4C90-A221-4D4B5F073DC2}"/>
+                </a:ext>
+              </a:extLst>
+            </p:cNvPr>
+            <p:cNvCxnSpPr>
+              <a:cxnSpLocks/>
+              <a:stCxn id="49" idx="1"/>
+            </p:cNvCxnSpPr>
+            <p:nvPr/>
+          </p:nvCxnSpPr>
+          <p:spPr>
+            <a:xfrm rot="10800000" flipV="1">
+              <a:off x="7477126" y="1090098"/>
+              <a:ext cx="464250" cy="1453074"/>
+            </a:xfrm>
+            <a:prstGeom prst="bentConnector2">
+              <a:avLst/>
+            </a:prstGeom>
+            <a:ln>
+              <a:tailEnd type="triangle"/>
+            </a:ln>
+          </p:spPr>
+          <p:style>
+            <a:lnRef idx="1">
+              <a:schemeClr val="accent1"/>
+            </a:lnRef>
+            <a:fillRef idx="0">
+              <a:schemeClr val="accent1"/>
+            </a:fillRef>
+            <a:effectRef idx="0">
+              <a:schemeClr val="accent1"/>
+            </a:effectRef>
+            <a:fontRef idx="minor">
+              <a:schemeClr val="tx1"/>
+            </a:fontRef>
+          </p:style>
+        </p:cxnSp>
+      </p:grpSp>
+    </p:spTree>
+    <p:extLst>
+      <p:ext uri="{BB962C8B-B14F-4D97-AF65-F5344CB8AC3E}">
+        <p14:creationId xmlns:p14="http://schemas.microsoft.com/office/powerpoint/2010/main" val="135665483"/>
       </p:ext>
     </p:extLst>
   </p:cSld>
